--- a/April23/ML Algorithms.pptx
+++ b/April23/ML Algorithms.pptx
@@ -5,7 +5,7 @@
     <p:sldMasterId id="2147483713" r:id="rId1"/>
   </p:sldMasterIdLst>
   <p:notesMasterIdLst>
-    <p:notesMasterId r:id="rId32"/>
+    <p:notesMasterId r:id="rId31"/>
   </p:notesMasterIdLst>
   <p:sldIdLst>
     <p:sldId id="256" r:id="rId2"/>
@@ -13,31 +13,30 @@
     <p:sldId id="258" r:id="rId4"/>
     <p:sldId id="259" r:id="rId5"/>
     <p:sldId id="260" r:id="rId6"/>
-    <p:sldId id="286" r:id="rId7"/>
-    <p:sldId id="261" r:id="rId8"/>
-    <p:sldId id="262" r:id="rId9"/>
-    <p:sldId id="263" r:id="rId10"/>
-    <p:sldId id="264" r:id="rId11"/>
-    <p:sldId id="265" r:id="rId12"/>
-    <p:sldId id="276" r:id="rId13"/>
-    <p:sldId id="277" r:id="rId14"/>
-    <p:sldId id="278" r:id="rId15"/>
-    <p:sldId id="266" r:id="rId16"/>
-    <p:sldId id="267" r:id="rId17"/>
-    <p:sldId id="268" r:id="rId18"/>
-    <p:sldId id="269" r:id="rId19"/>
-    <p:sldId id="270" r:id="rId20"/>
-    <p:sldId id="271" r:id="rId21"/>
-    <p:sldId id="272" r:id="rId22"/>
-    <p:sldId id="284" r:id="rId23"/>
-    <p:sldId id="274" r:id="rId24"/>
-    <p:sldId id="275" r:id="rId25"/>
-    <p:sldId id="285" r:id="rId26"/>
-    <p:sldId id="279" r:id="rId27"/>
-    <p:sldId id="280" r:id="rId28"/>
-    <p:sldId id="281" r:id="rId29"/>
-    <p:sldId id="282" r:id="rId30"/>
-    <p:sldId id="283" r:id="rId31"/>
+    <p:sldId id="261" r:id="rId7"/>
+    <p:sldId id="262" r:id="rId8"/>
+    <p:sldId id="263" r:id="rId9"/>
+    <p:sldId id="264" r:id="rId10"/>
+    <p:sldId id="265" r:id="rId11"/>
+    <p:sldId id="276" r:id="rId12"/>
+    <p:sldId id="277" r:id="rId13"/>
+    <p:sldId id="278" r:id="rId14"/>
+    <p:sldId id="266" r:id="rId15"/>
+    <p:sldId id="267" r:id="rId16"/>
+    <p:sldId id="268" r:id="rId17"/>
+    <p:sldId id="269" r:id="rId18"/>
+    <p:sldId id="270" r:id="rId19"/>
+    <p:sldId id="271" r:id="rId20"/>
+    <p:sldId id="272" r:id="rId21"/>
+    <p:sldId id="284" r:id="rId22"/>
+    <p:sldId id="274" r:id="rId23"/>
+    <p:sldId id="275" r:id="rId24"/>
+    <p:sldId id="285" r:id="rId25"/>
+    <p:sldId id="279" r:id="rId26"/>
+    <p:sldId id="280" r:id="rId27"/>
+    <p:sldId id="281" r:id="rId28"/>
+    <p:sldId id="282" r:id="rId29"/>
+    <p:sldId id="283" r:id="rId30"/>
   </p:sldIdLst>
   <p:sldSz cx="12192000" cy="6858000"/>
   <p:notesSz cx="6858000" cy="9144000"/>
@@ -184,7 +183,6 @@
           </a:p>
         </c:rich>
       </c:tx>
-      <c:layout/>
       <c:overlay val="0"/>
       <c:spPr>
         <a:noFill/>
@@ -314,11 +312,11 @@
           <c:showBubbleSize val="0"/>
         </c:dLbls>
         <c:gapWidth val="182"/>
-        <c:axId val="154550784"/>
-        <c:axId val="154533288"/>
+        <c:axId val="153502936"/>
+        <c:axId val="57983480"/>
       </c:barChart>
       <c:catAx>
-        <c:axId val="154550784"/>
+        <c:axId val="153502936"/>
         <c:scaling>
           <c:orientation val="minMax"/>
         </c:scaling>
@@ -350,7 +348,6 @@
               </a:p>
             </c:rich>
           </c:tx>
-          <c:layout/>
           <c:overlay val="0"/>
           <c:spPr>
             <a:noFill/>
@@ -417,7 +414,7 @@
             <a:endParaRPr lang="en-US"/>
           </a:p>
         </c:txPr>
-        <c:crossAx val="154533288"/>
+        <c:crossAx val="57983480"/>
         <c:crosses val="autoZero"/>
         <c:auto val="1"/>
         <c:lblAlgn val="ctr"/>
@@ -425,7 +422,7 @@
         <c:noMultiLvlLbl val="0"/>
       </c:catAx>
       <c:valAx>
-        <c:axId val="154533288"/>
+        <c:axId val="57983480"/>
         <c:scaling>
           <c:orientation val="minMax"/>
         </c:scaling>
@@ -471,7 +468,6 @@
               </a:p>
             </c:rich>
           </c:tx>
-          <c:layout/>
           <c:overlay val="0"/>
           <c:spPr>
             <a:noFill/>
@@ -532,7 +528,7 @@
             <a:endParaRPr lang="en-US"/>
           </a:p>
         </c:txPr>
-        <c:crossAx val="154550784"/>
+        <c:crossAx val="153502936"/>
         <c:crosses val="autoZero"/>
         <c:crossBetween val="between"/>
       </c:valAx>
@@ -1531,7 +1527,7 @@
           <a:p>
             <a:fld id="{C0B5CA1A-36E0-4843-97FE-7EF0AA5AF8C2}" type="slidenum">
               <a:rPr lang="en-US" smtClean="0"/>
-              <a:t>24</a:t>
+              <a:t>23</a:t>
             </a:fld>
             <a:endParaRPr lang="en-US"/>
           </a:p>
@@ -4998,7 +4994,12 @@
             <p:ph type="title"/>
           </p:nvPr>
         </p:nvSpPr>
-        <p:spPr/>
+        <p:spPr>
+          <a:xfrm>
+            <a:off x="838200" y="454940"/>
+            <a:ext cx="10515600" cy="1325563"/>
+          </a:xfrm>
+        </p:spPr>
         <p:txBody>
           <a:bodyPr>
             <a:normAutofit/>
@@ -5006,8 +5007,15 @@
           <a:lstStyle/>
           <a:p>
             <a:r>
+              <a:rPr lang="en-US" dirty="0"/>
+              <a:t/>
+            </a:r>
+            <a:br>
+              <a:rPr lang="en-US" dirty="0"/>
+            </a:br>
+            <a:r>
               <a:rPr lang="en-US" dirty="0" smtClean="0"/>
-              <a:t>Advantages and Disadvantages</a:t>
+              <a:t>Possible real life usage</a:t>
             </a:r>
             <a:endParaRPr lang="en-US" dirty="0"/>
           </a:p>
@@ -5015,12 +5023,12 @@
       </p:sp>
       <p:sp>
         <p:nvSpPr>
-          <p:cNvPr id="4" name="Text Placeholder 3"/>
-          <p:cNvSpPr>
-            <a:spLocks noGrp="1"/>
-          </p:cNvSpPr>
-          <p:nvPr>
-            <p:ph type="body" idx="1"/>
+          <p:cNvPr id="3" name="Content Placeholder 2"/>
+          <p:cNvSpPr>
+            <a:spLocks noGrp="1"/>
+          </p:cNvSpPr>
+          <p:nvPr>
+            <p:ph idx="1"/>
           </p:nvPr>
         </p:nvSpPr>
         <p:spPr/>
@@ -5028,267 +5036,57 @@
           <a:bodyPr/>
           <a:lstStyle/>
           <a:p>
-            <a:r>
-              <a:rPr lang="en-US" sz="2400" dirty="0" smtClean="0"/>
-              <a:t>Advantages</a:t>
-            </a:r>
-            <a:endParaRPr lang="en-US" dirty="0"/>
-          </a:p>
-        </p:txBody>
-      </p:sp>
-      <p:sp>
-        <p:nvSpPr>
-          <p:cNvPr id="3" name="Content Placeholder 2"/>
-          <p:cNvSpPr>
-            <a:spLocks noGrp="1"/>
-          </p:cNvSpPr>
-          <p:nvPr>
-            <p:ph sz="half" idx="2"/>
-          </p:nvPr>
-        </p:nvSpPr>
-        <p:spPr/>
-        <p:txBody>
-          <a:bodyPr>
-            <a:normAutofit/>
-          </a:bodyPr>
-          <a:lstStyle/>
-          <a:p>
-            <a:pPr marL="128016" lvl="1" indent="0">
-              <a:buNone/>
+            <a:pPr>
+              <a:buFont typeface="Wingdings" panose="05000000000000000000" pitchFamily="2" charset="2"/>
+              <a:buChar char="§"/>
             </a:pPr>
             <a:r>
-              <a:rPr lang="en-US" dirty="0">
-                <a:solidFill>
-                  <a:srgbClr val="00B050"/>
-                </a:solidFill>
-              </a:rPr>
-              <a:t>+ </a:t>
-            </a:r>
-            <a:r>
               <a:rPr lang="en-US" dirty="0" smtClean="0"/>
-              <a:t>SVM works well when the relationship b/w features is unknown.</a:t>
-            </a:r>
-            <a:endParaRPr lang="en-US" dirty="0"/>
-          </a:p>
-          <a:p>
-            <a:pPr marL="128016" lvl="1" indent="0">
-              <a:buNone/>
+              <a:t>Protein </a:t>
+            </a:r>
+            <a:r>
+              <a:rPr lang="en-US" dirty="0"/>
+              <a:t>Structure Prediction</a:t>
+            </a:r>
+          </a:p>
+          <a:p>
+            <a:pPr>
+              <a:buFont typeface="Wingdings" panose="05000000000000000000" pitchFamily="2" charset="2"/>
+              <a:buChar char="§"/>
             </a:pPr>
             <a:r>
-              <a:rPr lang="en-US" dirty="0">
-                <a:solidFill>
-                  <a:srgbClr val="00B050"/>
-                </a:solidFill>
-              </a:rPr>
-              <a:t>+</a:t>
-            </a:r>
-            <a:r>
-              <a:rPr lang="en-US" dirty="0" smtClean="0"/>
-              <a:t> Works </a:t>
-            </a:r>
-            <a:r>
               <a:rPr lang="en-US" dirty="0"/>
-              <a:t>well with even unstructured and semi structured data like text, Images and </a:t>
-            </a:r>
-            <a:r>
-              <a:rPr lang="en-US" dirty="0" smtClean="0"/>
-              <a:t>trees.</a:t>
-            </a:r>
-          </a:p>
-          <a:p>
-            <a:pPr marL="128016" lvl="1" indent="0">
-              <a:buNone/>
+              <a:t>Intrusion Detection</a:t>
+            </a:r>
+          </a:p>
+          <a:p>
+            <a:pPr>
+              <a:buFont typeface="Wingdings" panose="05000000000000000000" pitchFamily="2" charset="2"/>
+              <a:buChar char="§"/>
             </a:pPr>
             <a:r>
-              <a:rPr lang="en-US" dirty="0">
-                <a:solidFill>
-                  <a:srgbClr val="00B050"/>
-                </a:solidFill>
-              </a:rPr>
-              <a:t>+</a:t>
-            </a:r>
-            <a:r>
-              <a:rPr lang="en-US" dirty="0" smtClean="0">
-                <a:solidFill>
-                  <a:srgbClr val="92D050"/>
-                </a:solidFill>
-              </a:rPr>
-              <a:t> </a:t>
-            </a:r>
-            <a:r>
-              <a:rPr lang="en-US" dirty="0" smtClean="0"/>
-              <a:t>The kernel function is real strength of SVM. We can solve any complex problem.</a:t>
-            </a:r>
-          </a:p>
-          <a:p>
-            <a:pPr marL="128016" lvl="1" indent="0">
-              <a:buNone/>
+              <a:rPr lang="en-US" dirty="0"/>
+              <a:t>Handwriting Recognition</a:t>
+            </a:r>
+          </a:p>
+          <a:p>
+            <a:pPr>
+              <a:buFont typeface="Wingdings" panose="05000000000000000000" pitchFamily="2" charset="2"/>
+              <a:buChar char="§"/>
             </a:pPr>
             <a:r>
-              <a:rPr lang="en-US" dirty="0">
-                <a:solidFill>
-                  <a:srgbClr val="00B050"/>
-                </a:solidFill>
-              </a:rPr>
-              <a:t>+</a:t>
-            </a:r>
-            <a:r>
-              <a:rPr lang="en-US" dirty="0" smtClean="0"/>
-              <a:t> It scales relatively well to high dimensional   data.</a:t>
-            </a:r>
-            <a:endParaRPr lang="en-US" dirty="0"/>
-          </a:p>
-          <a:p>
-            <a:pPr marL="128016" lvl="1" indent="0">
-              <a:buNone/>
+              <a:rPr lang="en-US" dirty="0"/>
+              <a:t>Detecting Steganography in digital images</a:t>
+            </a:r>
+          </a:p>
+          <a:p>
+            <a:pPr>
+              <a:buFont typeface="Wingdings" panose="05000000000000000000" pitchFamily="2" charset="2"/>
+              <a:buChar char="§"/>
             </a:pPr>
             <a:r>
-              <a:rPr lang="en-US" dirty="0">
-                <a:solidFill>
-                  <a:srgbClr val="00B050"/>
-                </a:solidFill>
-              </a:rPr>
-              <a:t>+</a:t>
-            </a:r>
-            <a:r>
-              <a:rPr lang="en-US" dirty="0" smtClean="0"/>
-              <a:t> The </a:t>
-            </a:r>
-            <a:r>
               <a:rPr lang="en-US" dirty="0"/>
-              <a:t>risk of overfitting is less in SVM.</a:t>
-            </a:r>
-          </a:p>
-          <a:p>
-            <a:endParaRPr lang="en-US" dirty="0"/>
-          </a:p>
-        </p:txBody>
-      </p:sp>
-      <p:sp>
-        <p:nvSpPr>
-          <p:cNvPr id="5" name="Text Placeholder 4"/>
-          <p:cNvSpPr>
-            <a:spLocks noGrp="1"/>
-          </p:cNvSpPr>
-          <p:nvPr>
-            <p:ph type="body" sz="quarter" idx="3"/>
-          </p:nvPr>
-        </p:nvSpPr>
-        <p:spPr/>
-        <p:txBody>
-          <a:bodyPr/>
-          <a:lstStyle/>
-          <a:p>
-            <a:endParaRPr lang="en-US" sz="2400" dirty="0" smtClean="0"/>
-          </a:p>
-          <a:p>
-            <a:r>
-              <a:rPr lang="en-US" sz="2400" dirty="0" smtClean="0"/>
-              <a:t>Disadvantages</a:t>
-            </a:r>
-            <a:endParaRPr lang="en-US" sz="2400" dirty="0"/>
-          </a:p>
-          <a:p>
-            <a:endParaRPr lang="en-US" dirty="0"/>
-          </a:p>
-        </p:txBody>
-      </p:sp>
-      <p:sp>
-        <p:nvSpPr>
-          <p:cNvPr id="6" name="Content Placeholder 5"/>
-          <p:cNvSpPr>
-            <a:spLocks noGrp="1"/>
-          </p:cNvSpPr>
-          <p:nvPr>
-            <p:ph sz="quarter" idx="4"/>
-          </p:nvPr>
-        </p:nvSpPr>
-        <p:spPr/>
-        <p:txBody>
-          <a:bodyPr/>
-          <a:lstStyle/>
-          <a:p>
-            <a:pPr marL="128016" lvl="1" indent="0">
-              <a:buNone/>
-            </a:pPr>
-            <a:r>
-              <a:rPr lang="en-US" dirty="0" smtClean="0">
-                <a:solidFill>
-                  <a:srgbClr val="FF0000"/>
-                </a:solidFill>
-              </a:rPr>
-              <a:t>- </a:t>
-            </a:r>
-            <a:r>
-              <a:rPr lang="en-US" dirty="0" smtClean="0"/>
-              <a:t>Choosing </a:t>
-            </a:r>
-            <a:r>
-              <a:rPr lang="en-US" dirty="0"/>
-              <a:t>a “good” kernel function is not easy.</a:t>
-            </a:r>
-          </a:p>
-          <a:p>
-            <a:pPr marL="128016" lvl="1" indent="0">
-              <a:buNone/>
-            </a:pPr>
-            <a:r>
-              <a:rPr lang="en-US" dirty="0" smtClean="0">
-                <a:solidFill>
-                  <a:srgbClr val="FF0000"/>
-                </a:solidFill>
-              </a:rPr>
-              <a:t>- </a:t>
-            </a:r>
-            <a:r>
-              <a:rPr lang="en-US" dirty="0" smtClean="0"/>
-              <a:t>Long </a:t>
-            </a:r>
-            <a:r>
-              <a:rPr lang="en-US" dirty="0"/>
-              <a:t>training time for large datasets.</a:t>
-            </a:r>
-          </a:p>
-          <a:p>
-            <a:pPr marL="128016" lvl="1" indent="0">
-              <a:buNone/>
-            </a:pPr>
-            <a:r>
-              <a:rPr lang="en-US" dirty="0" smtClean="0">
-                <a:solidFill>
-                  <a:srgbClr val="FF0000"/>
-                </a:solidFill>
-              </a:rPr>
-              <a:t>- </a:t>
-            </a:r>
-            <a:r>
-              <a:rPr lang="en-US" dirty="0" smtClean="0"/>
-              <a:t>Difficult </a:t>
-            </a:r>
-            <a:r>
-              <a:rPr lang="en-US" dirty="0"/>
-              <a:t>to understand and interpret the final model, variable weights and individual impact.</a:t>
-            </a:r>
-          </a:p>
-          <a:p>
-            <a:pPr marL="128016" lvl="1" indent="0">
-              <a:buNone/>
-            </a:pPr>
-            <a:r>
-              <a:rPr lang="en-US" dirty="0" smtClean="0">
-                <a:solidFill>
-                  <a:srgbClr val="FF0000"/>
-                </a:solidFill>
-              </a:rPr>
-              <a:t>-</a:t>
-            </a:r>
-            <a:r>
-              <a:rPr lang="en-US" dirty="0" smtClean="0"/>
-              <a:t> Since </a:t>
-            </a:r>
-            <a:r>
-              <a:rPr lang="en-US" dirty="0"/>
-              <a:t>the final model is not so easy to see, we can not do small calibrations to the model hence its tough to incorporate our business logic.</a:t>
+              <a:t>Breast Cancer Diagnosis</a:t>
             </a:r>
           </a:p>
           <a:p>
@@ -5299,7 +5097,7 @@
     </p:spTree>
     <p:extLst>
       <p:ext uri="{BB962C8B-B14F-4D97-AF65-F5344CB8AC3E}">
-        <p14:creationId xmlns:p14="http://schemas.microsoft.com/office/powerpoint/2010/main" val="3240386618"/>
+        <p14:creationId xmlns:p14="http://schemas.microsoft.com/office/powerpoint/2010/main" val="668178466"/>
       </p:ext>
     </p:extLst>
   </p:cSld>
@@ -5336,110 +5134,58 @@
             <p:ph type="title"/>
           </p:nvPr>
         </p:nvSpPr>
-        <p:spPr>
-          <a:xfrm>
-            <a:off x="838200" y="454940"/>
-            <a:ext cx="10515600" cy="1325563"/>
-          </a:xfrm>
-        </p:spPr>
-        <p:txBody>
-          <a:bodyPr>
-            <a:normAutofit/>
-          </a:bodyPr>
-          <a:lstStyle/>
-          <a:p>
-            <a:r>
-              <a:rPr lang="en-US" dirty="0"/>
-              <a:t/>
-            </a:r>
-            <a:br>
-              <a:rPr lang="en-US" dirty="0"/>
-            </a:br>
-            <a:r>
-              <a:rPr lang="en-US" dirty="0" smtClean="0"/>
-              <a:t>Possible real life usage</a:t>
-            </a:r>
-            <a:endParaRPr lang="en-US" dirty="0"/>
-          </a:p>
-        </p:txBody>
-      </p:sp>
-      <p:sp>
-        <p:nvSpPr>
-          <p:cNvPr id="3" name="Content Placeholder 2"/>
-          <p:cNvSpPr>
-            <a:spLocks noGrp="1"/>
-          </p:cNvSpPr>
-          <p:nvPr>
-            <p:ph idx="1"/>
-          </p:nvPr>
-        </p:nvSpPr>
         <p:spPr/>
         <p:txBody>
           <a:bodyPr/>
           <a:lstStyle/>
           <a:p>
-            <a:pPr>
-              <a:buFont typeface="Wingdings" panose="05000000000000000000" pitchFamily="2" charset="2"/>
-              <a:buChar char="§"/>
+            <a:r>
+              <a:rPr lang="en-US" dirty="0"/>
+              <a:t>NAÏVE BAYES</a:t>
+            </a:r>
+          </a:p>
+        </p:txBody>
+      </p:sp>
+      <p:sp>
+        <p:nvSpPr>
+          <p:cNvPr id="3" name="Content Placeholder 2"/>
+          <p:cNvSpPr>
+            <a:spLocks noGrp="1"/>
+          </p:cNvSpPr>
+          <p:nvPr>
+            <p:ph idx="1"/>
+          </p:nvPr>
+        </p:nvSpPr>
+        <p:spPr/>
+        <p:txBody>
+          <a:bodyPr/>
+          <a:lstStyle/>
+          <a:p>
+            <a:r>
+              <a:rPr lang="en-US" dirty="0" smtClean="0"/>
+              <a:t>Naive </a:t>
+            </a:r>
+            <a:r>
+              <a:rPr lang="en-US" dirty="0"/>
+              <a:t>Bayes methods are a set of supervised learning algorithms based on applying Bayes’ theorem with the “naive” assumption of independence between every pair of features.</a:t>
+            </a:r>
+          </a:p>
+          <a:p>
+            <a:pPr marL="128016" lvl="1" indent="0">
+              <a:buNone/>
             </a:pPr>
             <a:r>
-              <a:rPr lang="en-US" dirty="0" smtClean="0"/>
-              <a:t>Protein </a:t>
-            </a:r>
-            <a:r>
               <a:rPr lang="en-US" dirty="0"/>
-              <a:t>Structure Prediction</a:t>
-            </a:r>
-          </a:p>
-          <a:p>
-            <a:pPr>
-              <a:buFont typeface="Wingdings" panose="05000000000000000000" pitchFamily="2" charset="2"/>
-              <a:buChar char="§"/>
-            </a:pPr>
-            <a:r>
-              <a:rPr lang="en-US" dirty="0"/>
-              <a:t>Intrusion Detection</a:t>
-            </a:r>
-          </a:p>
-          <a:p>
-            <a:pPr>
-              <a:buFont typeface="Wingdings" panose="05000000000000000000" pitchFamily="2" charset="2"/>
-              <a:buChar char="§"/>
-            </a:pPr>
-            <a:r>
-              <a:rPr lang="en-US" dirty="0"/>
-              <a:t>Handwriting Recognition</a:t>
-            </a:r>
-          </a:p>
-          <a:p>
-            <a:pPr>
-              <a:buFont typeface="Wingdings" panose="05000000000000000000" pitchFamily="2" charset="2"/>
-              <a:buChar char="§"/>
-            </a:pPr>
-            <a:r>
-              <a:rPr lang="en-US" dirty="0"/>
-              <a:t>Detecting Steganography in digital images</a:t>
-            </a:r>
-          </a:p>
-          <a:p>
-            <a:pPr>
-              <a:buFont typeface="Wingdings" panose="05000000000000000000" pitchFamily="2" charset="2"/>
-              <a:buChar char="§"/>
-            </a:pPr>
-            <a:r>
-              <a:rPr lang="en-US" dirty="0"/>
-              <a:t>Breast Cancer Diagnosis</a:t>
-            </a:r>
-          </a:p>
-          <a:p>
-            <a:endParaRPr lang="en-US" dirty="0"/>
+              <a:t>				</a:t>
+            </a:r>
+            <a:endParaRPr lang="en-US" baseline="30000" dirty="0"/>
           </a:p>
         </p:txBody>
       </p:sp>
     </p:spTree>
     <p:extLst>
       <p:ext uri="{BB962C8B-B14F-4D97-AF65-F5344CB8AC3E}">
-        <p14:creationId xmlns:p14="http://schemas.microsoft.com/office/powerpoint/2010/main" val="668178466"/>
+        <p14:creationId xmlns:p14="http://schemas.microsoft.com/office/powerpoint/2010/main" val="515412516"/>
       </p:ext>
     </p:extLst>
   </p:cSld>
@@ -5483,19 +5229,19 @@
           <a:p>
             <a:r>
               <a:rPr lang="en-US" dirty="0"/>
-              <a:t>NAÏVE BAYES</a:t>
-            </a:r>
-          </a:p>
-        </p:txBody>
-      </p:sp>
-      <p:sp>
-        <p:nvSpPr>
-          <p:cNvPr id="3" name="Content Placeholder 2"/>
-          <p:cNvSpPr>
-            <a:spLocks noGrp="1"/>
-          </p:cNvSpPr>
-          <p:nvPr>
-            <p:ph idx="1"/>
+              <a:t>ADVANTAGES &amp; DISADVANTAGES</a:t>
+            </a:r>
+          </a:p>
+        </p:txBody>
+      </p:sp>
+      <p:sp>
+        <p:nvSpPr>
+          <p:cNvPr id="4" name="Text Placeholder 3"/>
+          <p:cNvSpPr>
+            <a:spLocks noGrp="1"/>
+          </p:cNvSpPr>
+          <p:nvPr>
+            <p:ph type="body" idx="1"/>
           </p:nvPr>
         </p:nvSpPr>
         <p:spPr/>
@@ -5504,36 +5250,232 @@
           <a:lstStyle/>
           <a:p>
             <a:r>
-              <a:rPr lang="en-US" dirty="0" smtClean="0"/>
-              <a:t>Naive </a:t>
-            </a:r>
-            <a:r>
               <a:rPr lang="en-US" dirty="0"/>
-              <a:t>Bayes methods are a set of supervised learning algorithms based on applying Bayes’ theorem with the “naive” assumption of independence between every pair of features.</a:t>
-            </a:r>
-          </a:p>
+              <a:t>Advantages</a:t>
+            </a:r>
+          </a:p>
+        </p:txBody>
+      </p:sp>
+      <p:sp>
+        <p:nvSpPr>
+          <p:cNvPr id="5" name="Content Placeholder 4"/>
+          <p:cNvSpPr>
+            <a:spLocks noGrp="1"/>
+          </p:cNvSpPr>
+          <p:nvPr>
+            <p:ph sz="half" idx="2"/>
+          </p:nvPr>
+        </p:nvSpPr>
+        <p:spPr/>
+        <p:txBody>
+          <a:bodyPr>
+            <a:normAutofit/>
+          </a:bodyPr>
+          <a:lstStyle/>
           <a:p>
             <a:pPr marL="128016" lvl="1" indent="0">
               <a:buNone/>
             </a:pPr>
             <a:r>
+              <a:rPr lang="en-US" sz="2400" dirty="0">
+                <a:solidFill>
+                  <a:srgbClr val="00B050"/>
+                </a:solidFill>
+              </a:rPr>
+              <a:t>+ </a:t>
+            </a:r>
+            <a:r>
+              <a:rPr lang="en-US" sz="2400" dirty="0" smtClean="0"/>
+              <a:t>NB </a:t>
+            </a:r>
+            <a:r>
+              <a:rPr lang="en-US" sz="2400" dirty="0"/>
+              <a:t>models are very simple.</a:t>
+            </a:r>
+          </a:p>
+          <a:p>
+            <a:pPr marL="128016" lvl="1" indent="0">
+              <a:buNone/>
+            </a:pPr>
+            <a:r>
+              <a:rPr lang="en-US" sz="2400" dirty="0">
+                <a:solidFill>
+                  <a:srgbClr val="00B050"/>
+                </a:solidFill>
+              </a:rPr>
+              <a:t>+ </a:t>
+            </a:r>
+            <a:r>
+              <a:rPr lang="en-US" sz="2400" dirty="0" smtClean="0"/>
+              <a:t>They </a:t>
+            </a:r>
+            <a:r>
+              <a:rPr lang="en-US" sz="2400" dirty="0"/>
+              <a:t>can scale with dataset.</a:t>
+            </a:r>
+          </a:p>
+          <a:p>
+            <a:pPr marL="128016" lvl="1" indent="0">
+              <a:buNone/>
+            </a:pPr>
+            <a:r>
+              <a:rPr lang="en-US" sz="2400" dirty="0">
+                <a:solidFill>
+                  <a:srgbClr val="00B050"/>
+                </a:solidFill>
+              </a:rPr>
+              <a:t>+ </a:t>
+            </a:r>
+            <a:r>
+              <a:rPr lang="en-US" sz="2400" dirty="0" smtClean="0"/>
+              <a:t>Need </a:t>
+            </a:r>
+            <a:r>
+              <a:rPr lang="en-US" sz="2400" dirty="0"/>
+              <a:t>less training data.</a:t>
+            </a:r>
+          </a:p>
+          <a:p>
+            <a:pPr marL="128016" lvl="1" indent="0">
+              <a:buNone/>
+            </a:pPr>
+            <a:r>
+              <a:rPr lang="en-US" sz="2400" dirty="0">
+                <a:solidFill>
+                  <a:srgbClr val="00B050"/>
+                </a:solidFill>
+              </a:rPr>
+              <a:t>+ </a:t>
+            </a:r>
+            <a:r>
+              <a:rPr lang="en-US" sz="2400" dirty="0" smtClean="0"/>
+              <a:t>Not </a:t>
+            </a:r>
+            <a:r>
+              <a:rPr lang="en-US" sz="2400" dirty="0"/>
+              <a:t>sensitive to irrelevant features.</a:t>
+            </a:r>
+          </a:p>
+          <a:p>
+            <a:pPr marL="128016" lvl="1" indent="0">
+              <a:buNone/>
+            </a:pPr>
+            <a:r>
+              <a:rPr lang="en-US" sz="2400" dirty="0">
+                <a:solidFill>
+                  <a:srgbClr val="00B050"/>
+                </a:solidFill>
+              </a:rPr>
+              <a:t>+ </a:t>
+            </a:r>
+            <a:r>
+              <a:rPr lang="en-US" sz="2400" dirty="0" smtClean="0"/>
+              <a:t>Handles </a:t>
+            </a:r>
+            <a:r>
+              <a:rPr lang="en-US" sz="2400" dirty="0"/>
+              <a:t>continuous and discrete data.</a:t>
+            </a:r>
+          </a:p>
+        </p:txBody>
+      </p:sp>
+      <p:sp>
+        <p:nvSpPr>
+          <p:cNvPr id="6" name="Text Placeholder 5"/>
+          <p:cNvSpPr>
+            <a:spLocks noGrp="1"/>
+          </p:cNvSpPr>
+          <p:nvPr>
+            <p:ph type="body" sz="quarter" idx="3"/>
+          </p:nvPr>
+        </p:nvSpPr>
+        <p:spPr/>
+        <p:txBody>
+          <a:bodyPr/>
+          <a:lstStyle/>
+          <a:p>
+            <a:r>
               <a:rPr lang="en-US" dirty="0"/>
-              <a:t>				</a:t>
-            </a:r>
-            <a:endParaRPr lang="en-US" baseline="30000" dirty="0"/>
+              <a:t>Disadvantages</a:t>
+            </a:r>
+          </a:p>
+        </p:txBody>
+      </p:sp>
+      <p:sp>
+        <p:nvSpPr>
+          <p:cNvPr id="7" name="Content Placeholder 6"/>
+          <p:cNvSpPr>
+            <a:spLocks noGrp="1"/>
+          </p:cNvSpPr>
+          <p:nvPr>
+            <p:ph sz="quarter" idx="4"/>
+          </p:nvPr>
+        </p:nvSpPr>
+        <p:spPr/>
+        <p:txBody>
+          <a:bodyPr/>
+          <a:lstStyle/>
+          <a:p>
+            <a:pPr marL="0" indent="0">
+              <a:buNone/>
+            </a:pPr>
+            <a:r>
+              <a:rPr lang="en-US" dirty="0">
+                <a:solidFill>
+                  <a:srgbClr val="FF0000"/>
+                </a:solidFill>
+              </a:rPr>
+              <a:t>- </a:t>
+            </a:r>
+            <a:r>
+              <a:rPr lang="en-US" dirty="0" smtClean="0"/>
+              <a:t>NB </a:t>
+            </a:r>
+            <a:r>
+              <a:rPr lang="en-US" dirty="0"/>
+              <a:t>models are often beaten by models properly trained and tuned.</a:t>
+            </a:r>
+          </a:p>
+          <a:p>
+            <a:pPr marL="0" indent="0">
+              <a:buNone/>
+            </a:pPr>
+            <a:r>
+              <a:rPr lang="en-US" dirty="0">
+                <a:solidFill>
+                  <a:srgbClr val="FF0000"/>
+                </a:solidFill>
+              </a:rPr>
+              <a:t>- </a:t>
+            </a:r>
+            <a:r>
+              <a:rPr lang="en-US" dirty="0" smtClean="0"/>
+              <a:t>Takes </a:t>
+            </a:r>
+            <a:r>
+              <a:rPr lang="en-US" dirty="0"/>
+              <a:t>more runtime memory compared to other algorithms.</a:t>
+            </a:r>
           </a:p>
         </p:txBody>
       </p:sp>
     </p:spTree>
     <p:extLst>
       <p:ext uri="{BB962C8B-B14F-4D97-AF65-F5344CB8AC3E}">
-        <p14:creationId xmlns:p14="http://schemas.microsoft.com/office/powerpoint/2010/main" val="515412516"/>
+        <p14:creationId xmlns:p14="http://schemas.microsoft.com/office/powerpoint/2010/main" val="3537477397"/>
       </p:ext>
     </p:extLst>
   </p:cSld>
   <p:clrMapOvr>
     <a:masterClrMapping/>
   </p:clrMapOvr>
+  <p:timing>
+    <p:tnLst>
+      <p:par>
+        <p:cTn id="1" dur="indefinite" restart="never" nodeType="tmRoot"/>
+      </p:par>
+    </p:tnLst>
+  </p:timing>
 </p:sld>
 </file>
 
@@ -5570,20 +5512,29 @@
           <a:lstStyle/>
           <a:p>
             <a:r>
+              <a:rPr lang="en-US" dirty="0" smtClean="0"/>
+              <a:t>Possible REAL </a:t>
+            </a:r>
+            <a:r>
               <a:rPr lang="en-US" dirty="0"/>
-              <a:t>ADVANTAGES &amp; DISADVANTAGES</a:t>
-            </a:r>
-          </a:p>
-        </p:txBody>
-      </p:sp>
-      <p:sp>
-        <p:nvSpPr>
-          <p:cNvPr id="4" name="Text Placeholder 3"/>
-          <p:cNvSpPr>
-            <a:spLocks noGrp="1"/>
-          </p:cNvSpPr>
-          <p:nvPr>
-            <p:ph type="body" idx="1"/>
+              <a:t>LIFE </a:t>
+            </a:r>
+            <a:r>
+              <a:rPr lang="en-US" dirty="0" smtClean="0"/>
+              <a:t>USAGE</a:t>
+            </a:r>
+            <a:endParaRPr lang="en-US" dirty="0"/>
+          </a:p>
+        </p:txBody>
+      </p:sp>
+      <p:sp>
+        <p:nvSpPr>
+          <p:cNvPr id="3" name="Content Placeholder 2"/>
+          <p:cNvSpPr>
+            <a:spLocks noGrp="1"/>
+          </p:cNvSpPr>
+          <p:nvPr>
+            <p:ph idx="1"/>
           </p:nvPr>
         </p:nvSpPr>
         <p:spPr/>
@@ -5591,220 +5542,44 @@
           <a:bodyPr/>
           <a:lstStyle/>
           <a:p>
-            <a:r>
-              <a:rPr lang="en-US" dirty="0"/>
-              <a:t>Advantages</a:t>
-            </a:r>
-          </a:p>
-        </p:txBody>
-      </p:sp>
-      <p:sp>
-        <p:nvSpPr>
-          <p:cNvPr id="5" name="Content Placeholder 4"/>
-          <p:cNvSpPr>
-            <a:spLocks noGrp="1"/>
-          </p:cNvSpPr>
-          <p:nvPr>
-            <p:ph sz="half" idx="2"/>
-          </p:nvPr>
-        </p:nvSpPr>
-        <p:spPr/>
-        <p:txBody>
-          <a:bodyPr>
-            <a:normAutofit/>
-          </a:bodyPr>
-          <a:lstStyle/>
-          <a:p>
-            <a:pPr marL="128016" lvl="1" indent="0">
-              <a:buNone/>
+            <a:pPr>
+              <a:buFont typeface="Wingdings" panose="05000000000000000000" pitchFamily="2" charset="2"/>
+              <a:buChar char="§"/>
             </a:pPr>
             <a:r>
-              <a:rPr lang="en-US" sz="2400" dirty="0">
-                <a:solidFill>
-                  <a:srgbClr val="00B050"/>
-                </a:solidFill>
+              <a:rPr lang="en-US" dirty="0" smtClean="0"/>
+              <a:t>Text document classification</a:t>
+            </a:r>
+          </a:p>
+          <a:p>
+            <a:pPr>
+              <a:buFont typeface="Wingdings" panose="05000000000000000000" pitchFamily="2" charset="2"/>
+              <a:buChar char="§"/>
+            </a:pPr>
+            <a:r>
+              <a:rPr lang="en-US" dirty="0" smtClean="0"/>
+              <a:t>Spam detection</a:t>
+            </a:r>
+          </a:p>
+          <a:p>
+            <a:pPr>
+              <a:buFont typeface="Wingdings" panose="05000000000000000000" pitchFamily="2" charset="2"/>
+              <a:buChar char="§"/>
+            </a:pPr>
+            <a:r>
+              <a:rPr lang="en-US" dirty="0">
+                <a:hlinkClick r:id="rId2"/>
               </a:rPr>
-              <a:t>+ </a:t>
-            </a:r>
-            <a:r>
-              <a:rPr lang="en-US" sz="2400" dirty="0" smtClean="0"/>
-              <a:t>NB </a:t>
-            </a:r>
-            <a:r>
-              <a:rPr lang="en-US" sz="2400" dirty="0"/>
-              <a:t>models are very simple.</a:t>
-            </a:r>
-          </a:p>
-          <a:p>
-            <a:pPr marL="128016" lvl="1" indent="0">
-              <a:buNone/>
-            </a:pPr>
-            <a:r>
-              <a:rPr lang="en-US" sz="2400" dirty="0">
-                <a:solidFill>
-                  <a:srgbClr val="00B050"/>
-                </a:solidFill>
-              </a:rPr>
-              <a:t>+ </a:t>
-            </a:r>
-            <a:r>
-              <a:rPr lang="en-US" sz="2400" dirty="0" smtClean="0"/>
-              <a:t>They </a:t>
-            </a:r>
-            <a:r>
-              <a:rPr lang="en-US" sz="2400" dirty="0"/>
-              <a:t>can scale with dataset.</a:t>
-            </a:r>
-          </a:p>
-          <a:p>
-            <a:pPr marL="128016" lvl="1" indent="0">
-              <a:buNone/>
-            </a:pPr>
-            <a:r>
-              <a:rPr lang="en-US" sz="2400" dirty="0">
-                <a:solidFill>
-                  <a:srgbClr val="00B050"/>
-                </a:solidFill>
-              </a:rPr>
-              <a:t>+ </a:t>
-            </a:r>
-            <a:r>
-              <a:rPr lang="en-US" sz="2400" dirty="0" smtClean="0"/>
-              <a:t>Need </a:t>
-            </a:r>
-            <a:r>
-              <a:rPr lang="en-US" sz="2400" dirty="0"/>
-              <a:t>less training data.</a:t>
-            </a:r>
-          </a:p>
-          <a:p>
-            <a:pPr marL="128016" lvl="1" indent="0">
-              <a:buNone/>
-            </a:pPr>
-            <a:r>
-              <a:rPr lang="en-US" sz="2400" dirty="0">
-                <a:solidFill>
-                  <a:srgbClr val="00B050"/>
-                </a:solidFill>
-              </a:rPr>
-              <a:t>+ </a:t>
-            </a:r>
-            <a:r>
-              <a:rPr lang="en-US" sz="2400" dirty="0" smtClean="0"/>
-              <a:t>Not </a:t>
-            </a:r>
-            <a:r>
-              <a:rPr lang="en-US" sz="2400" dirty="0"/>
-              <a:t>sensitive to irrelevant features.</a:t>
-            </a:r>
-          </a:p>
-          <a:p>
-            <a:pPr marL="128016" lvl="1" indent="0">
-              <a:buNone/>
-            </a:pPr>
-            <a:r>
-              <a:rPr lang="en-US" sz="2400" dirty="0">
-                <a:solidFill>
-                  <a:srgbClr val="00B050"/>
-                </a:solidFill>
-              </a:rPr>
-              <a:t>+ </a:t>
-            </a:r>
-            <a:r>
-              <a:rPr lang="en-US" sz="2400" dirty="0" smtClean="0"/>
-              <a:t>Handles </a:t>
-            </a:r>
-            <a:r>
-              <a:rPr lang="en-US" sz="2400" dirty="0"/>
-              <a:t>continuous and discrete data.</a:t>
-            </a:r>
-          </a:p>
-        </p:txBody>
-      </p:sp>
-      <p:sp>
-        <p:nvSpPr>
-          <p:cNvPr id="6" name="Text Placeholder 5"/>
-          <p:cNvSpPr>
-            <a:spLocks noGrp="1"/>
-          </p:cNvSpPr>
-          <p:nvPr>
-            <p:ph type="body" sz="quarter" idx="3"/>
-          </p:nvPr>
-        </p:nvSpPr>
-        <p:spPr/>
-        <p:txBody>
-          <a:bodyPr/>
-          <a:lstStyle/>
-          <a:p>
-            <a:r>
-              <a:rPr lang="en-US" dirty="0"/>
-              <a:t>Disadvantages</a:t>
-            </a:r>
-          </a:p>
-        </p:txBody>
-      </p:sp>
-      <p:sp>
-        <p:nvSpPr>
-          <p:cNvPr id="7" name="Content Placeholder 6"/>
-          <p:cNvSpPr>
-            <a:spLocks noGrp="1"/>
-          </p:cNvSpPr>
-          <p:nvPr>
-            <p:ph sz="quarter" idx="4"/>
-          </p:nvPr>
-        </p:nvSpPr>
-        <p:spPr/>
-        <p:txBody>
-          <a:bodyPr/>
-          <a:lstStyle/>
-          <a:p>
-            <a:pPr marL="0" indent="0">
-              <a:buNone/>
-            </a:pPr>
-            <a:r>
-              <a:rPr lang="en-US" dirty="0">
-                <a:solidFill>
-                  <a:srgbClr val="FF0000"/>
-                </a:solidFill>
-              </a:rPr>
-              <a:t>- </a:t>
-            </a:r>
-            <a:r>
-              <a:rPr lang="en-US" dirty="0" smtClean="0"/>
-              <a:t>NB </a:t>
-            </a:r>
-            <a:r>
-              <a:rPr lang="en-US" dirty="0"/>
-              <a:t>models are often beaten by models properly trained and tuned.</a:t>
-            </a:r>
-          </a:p>
-          <a:p>
-            <a:pPr marL="0" indent="0">
-              <a:buNone/>
-            </a:pPr>
-            <a:r>
-              <a:rPr lang="en-US" dirty="0">
-                <a:solidFill>
-                  <a:srgbClr val="FF0000"/>
-                </a:solidFill>
-              </a:rPr>
-              <a:t>- </a:t>
-            </a:r>
-            <a:r>
-              <a:rPr lang="en-US" dirty="0" smtClean="0"/>
-              <a:t>Takes </a:t>
-            </a:r>
-            <a:r>
-              <a:rPr lang="en-US" dirty="0"/>
-              <a:t>more runtime memory compared to other algorithms.</a:t>
-            </a:r>
+              <a:t>https://cloud.google.com/blog/big-data/2018/01/problem-solving-with-ml-automatic-document-classification</a:t>
+            </a:r>
+            <a:endParaRPr lang="en-US" dirty="0"/>
           </a:p>
         </p:txBody>
       </p:sp>
     </p:spTree>
     <p:extLst>
       <p:ext uri="{BB962C8B-B14F-4D97-AF65-F5344CB8AC3E}">
-        <p14:creationId xmlns:p14="http://schemas.microsoft.com/office/powerpoint/2010/main" val="3537477397"/>
+        <p14:creationId xmlns:p14="http://schemas.microsoft.com/office/powerpoint/2010/main" val="3036061840"/>
       </p:ext>
     </p:extLst>
   </p:cSld>
@@ -5854,127 +5629,6 @@
           <a:lstStyle/>
           <a:p>
             <a:r>
-              <a:rPr lang="en-US" dirty="0" smtClean="0"/>
-              <a:t>Possible REAL </a:t>
-            </a:r>
-            <a:r>
-              <a:rPr lang="en-US" dirty="0"/>
-              <a:t>LIFE </a:t>
-            </a:r>
-            <a:r>
-              <a:rPr lang="en-US" dirty="0" smtClean="0"/>
-              <a:t>USAGE</a:t>
-            </a:r>
-            <a:endParaRPr lang="en-US" dirty="0"/>
-          </a:p>
-        </p:txBody>
-      </p:sp>
-      <p:sp>
-        <p:nvSpPr>
-          <p:cNvPr id="3" name="Content Placeholder 2"/>
-          <p:cNvSpPr>
-            <a:spLocks noGrp="1"/>
-          </p:cNvSpPr>
-          <p:nvPr>
-            <p:ph idx="1"/>
-          </p:nvPr>
-        </p:nvSpPr>
-        <p:spPr/>
-        <p:txBody>
-          <a:bodyPr/>
-          <a:lstStyle/>
-          <a:p>
-            <a:pPr>
-              <a:buFont typeface="Wingdings" panose="05000000000000000000" pitchFamily="2" charset="2"/>
-              <a:buChar char="§"/>
-            </a:pPr>
-            <a:r>
-              <a:rPr lang="en-US" dirty="0" smtClean="0"/>
-              <a:t>Text document classification</a:t>
-            </a:r>
-          </a:p>
-          <a:p>
-            <a:pPr>
-              <a:buFont typeface="Wingdings" panose="05000000000000000000" pitchFamily="2" charset="2"/>
-              <a:buChar char="§"/>
-            </a:pPr>
-            <a:r>
-              <a:rPr lang="en-US" dirty="0" smtClean="0"/>
-              <a:t>Spam </a:t>
-            </a:r>
-            <a:r>
-              <a:rPr lang="en-US" dirty="0" smtClean="0"/>
-              <a:t>detection</a:t>
-            </a:r>
-          </a:p>
-          <a:p>
-            <a:pPr>
-              <a:buFont typeface="Wingdings" panose="05000000000000000000" pitchFamily="2" charset="2"/>
-              <a:buChar char="§"/>
-            </a:pPr>
-            <a:r>
-              <a:rPr lang="en-US" dirty="0">
-                <a:hlinkClick r:id="rId2"/>
-              </a:rPr>
-              <a:t>https://cloud.google.com/blog/big-data/2018/01/problem-solving-with-ml-automatic-document-classification</a:t>
-            </a:r>
-            <a:endParaRPr lang="en-US" dirty="0"/>
-          </a:p>
-        </p:txBody>
-      </p:sp>
-    </p:spTree>
-    <p:extLst>
-      <p:ext uri="{BB962C8B-B14F-4D97-AF65-F5344CB8AC3E}">
-        <p14:creationId xmlns:p14="http://schemas.microsoft.com/office/powerpoint/2010/main" val="3036061840"/>
-      </p:ext>
-    </p:extLst>
-  </p:cSld>
-  <p:clrMapOvr>
-    <a:masterClrMapping/>
-  </p:clrMapOvr>
-  <p:timing>
-    <p:tnLst>
-      <p:par>
-        <p:cTn id="1" dur="indefinite" restart="never" nodeType="tmRoot"/>
-      </p:par>
-    </p:tnLst>
-  </p:timing>
-</p:sld>
-</file>
-
-<file path=ppt/slides/slide15.xml><?xml version="1.0" encoding="utf-8"?>
-<p:sld xmlns:a="http://schemas.openxmlformats.org/drawingml/2006/main" xmlns:r="http://schemas.openxmlformats.org/officeDocument/2006/relationships" xmlns:p="http://schemas.openxmlformats.org/presentationml/2006/main">
-  <p:cSld>
-    <p:spTree>
-      <p:nvGrpSpPr>
-        <p:cNvPr id="1" name=""/>
-        <p:cNvGrpSpPr/>
-        <p:nvPr/>
-      </p:nvGrpSpPr>
-      <p:grpSpPr>
-        <a:xfrm>
-          <a:off x="0" y="0"/>
-          <a:ext cx="0" cy="0"/>
-          <a:chOff x="0" y="0"/>
-          <a:chExt cx="0" cy="0"/>
-        </a:xfrm>
-      </p:grpSpPr>
-      <p:sp>
-        <p:nvSpPr>
-          <p:cNvPr id="2" name="Title 1"/>
-          <p:cNvSpPr>
-            <a:spLocks noGrp="1"/>
-          </p:cNvSpPr>
-          <p:nvPr>
-            <p:ph type="title"/>
-          </p:nvPr>
-        </p:nvSpPr>
-        <p:spPr/>
-        <p:txBody>
-          <a:bodyPr/>
-          <a:lstStyle/>
-          <a:p>
-            <a:r>
               <a:rPr lang="en-US" altLang="en-US" dirty="0" smtClean="0"/>
               <a:t>K-MEANS CLUSTERING</a:t>
             </a:r>
@@ -6045,7 +5699,7 @@
 </p:sld>
 </file>
 
-<file path=ppt/slides/slide16.xml><?xml version="1.0" encoding="utf-8"?>
+<file path=ppt/slides/slide15.xml><?xml version="1.0" encoding="utf-8"?>
 <p:sld xmlns:a="http://schemas.openxmlformats.org/drawingml/2006/main" xmlns:r="http://schemas.openxmlformats.org/officeDocument/2006/relationships" xmlns:p="http://schemas.openxmlformats.org/presentationml/2006/main">
   <p:cSld>
     <p:spTree>
@@ -6129,6 +5783,312 @@
 </p:sld>
 </file>
 
+<file path=ppt/slides/slide16.xml><?xml version="1.0" encoding="utf-8"?>
+<p:sld xmlns:a="http://schemas.openxmlformats.org/drawingml/2006/main" xmlns:r="http://schemas.openxmlformats.org/officeDocument/2006/relationships" xmlns:p="http://schemas.openxmlformats.org/presentationml/2006/main">
+  <p:cSld>
+    <p:spTree>
+      <p:nvGrpSpPr>
+        <p:cNvPr id="1" name=""/>
+        <p:cNvGrpSpPr/>
+        <p:nvPr/>
+      </p:nvGrpSpPr>
+      <p:grpSpPr>
+        <a:xfrm>
+          <a:off x="0" y="0"/>
+          <a:ext cx="0" cy="0"/>
+          <a:chOff x="0" y="0"/>
+          <a:chExt cx="0" cy="0"/>
+        </a:xfrm>
+      </p:grpSpPr>
+      <p:sp>
+        <p:nvSpPr>
+          <p:cNvPr id="2" name="Title 1"/>
+          <p:cNvSpPr>
+            <a:spLocks noGrp="1"/>
+          </p:cNvSpPr>
+          <p:nvPr>
+            <p:ph type="title"/>
+          </p:nvPr>
+        </p:nvSpPr>
+        <p:spPr/>
+        <p:txBody>
+          <a:bodyPr/>
+          <a:lstStyle/>
+          <a:p>
+            <a:r>
+              <a:rPr lang="en-US" dirty="0" smtClean="0"/>
+              <a:t>Advantages </a:t>
+            </a:r>
+            <a:r>
+              <a:rPr lang="en-US" dirty="0"/>
+              <a:t>and Disadvantages </a:t>
+            </a:r>
+          </a:p>
+        </p:txBody>
+      </p:sp>
+      <p:sp>
+        <p:nvSpPr>
+          <p:cNvPr id="4" name="Text Placeholder 3"/>
+          <p:cNvSpPr>
+            <a:spLocks noGrp="1"/>
+          </p:cNvSpPr>
+          <p:nvPr>
+            <p:ph type="body" idx="1"/>
+          </p:nvPr>
+        </p:nvSpPr>
+        <p:spPr/>
+        <p:txBody>
+          <a:bodyPr/>
+          <a:lstStyle/>
+          <a:p>
+            <a:r>
+              <a:rPr lang="en-US" b="1" dirty="0"/>
+              <a:t>Advantages </a:t>
+            </a:r>
+            <a:endParaRPr lang="en-US" dirty="0"/>
+          </a:p>
+          <a:p>
+            <a:endParaRPr lang="en-US" dirty="0"/>
+          </a:p>
+        </p:txBody>
+      </p:sp>
+      <p:sp>
+        <p:nvSpPr>
+          <p:cNvPr id="3" name="Content Placeholder 2"/>
+          <p:cNvSpPr>
+            <a:spLocks noGrp="1"/>
+          </p:cNvSpPr>
+          <p:nvPr>
+            <p:ph sz="half" idx="2"/>
+          </p:nvPr>
+        </p:nvSpPr>
+        <p:spPr/>
+        <p:txBody>
+          <a:bodyPr>
+            <a:normAutofit/>
+          </a:bodyPr>
+          <a:lstStyle/>
+          <a:p>
+            <a:r>
+              <a:rPr lang="en-US" dirty="0" smtClean="0">
+                <a:solidFill>
+                  <a:srgbClr val="92D050"/>
+                </a:solidFill>
+              </a:rPr>
+              <a:t>+ </a:t>
+            </a:r>
+            <a:r>
+              <a:rPr lang="en-US" dirty="0" smtClean="0"/>
+              <a:t>Easy </a:t>
+            </a:r>
+            <a:r>
+              <a:rPr lang="en-US" dirty="0"/>
+              <a:t>to implement </a:t>
+            </a:r>
+            <a:endParaRPr lang="en-US" dirty="0" smtClean="0">
+              <a:effectLst/>
+            </a:endParaRPr>
+          </a:p>
+          <a:p>
+            <a:r>
+              <a:rPr lang="en-US" dirty="0" smtClean="0">
+                <a:solidFill>
+                  <a:srgbClr val="92D050"/>
+                </a:solidFill>
+              </a:rPr>
+              <a:t>+</a:t>
+            </a:r>
+            <a:r>
+              <a:rPr lang="en-US" dirty="0" smtClean="0"/>
+              <a:t> With </a:t>
+            </a:r>
+            <a:r>
+              <a:rPr lang="en-US" dirty="0"/>
+              <a:t>a large number of variables, K-Means may be </a:t>
+            </a:r>
+            <a:r>
+              <a:rPr lang="en-US" dirty="0" smtClean="0"/>
+              <a:t>computationally </a:t>
+            </a:r>
+            <a:r>
+              <a:rPr lang="en-US" dirty="0"/>
+              <a:t>faster than </a:t>
+            </a:r>
+            <a:r>
+              <a:rPr lang="en-US" dirty="0" smtClean="0"/>
+              <a:t>hierarchical clustering</a:t>
+            </a:r>
+            <a:endParaRPr lang="en-US" dirty="0" smtClean="0">
+              <a:effectLst/>
+            </a:endParaRPr>
+          </a:p>
+          <a:p>
+            <a:r>
+              <a:rPr lang="en-US" dirty="0" smtClean="0">
+                <a:solidFill>
+                  <a:srgbClr val="92D050"/>
+                </a:solidFill>
+              </a:rPr>
+              <a:t>+</a:t>
+            </a:r>
+            <a:r>
+              <a:rPr lang="en-US" dirty="0" smtClean="0"/>
+              <a:t> An </a:t>
+            </a:r>
+            <a:r>
+              <a:rPr lang="en-US" dirty="0"/>
+              <a:t>instance can change cluster (move to another cluster) when the centroids are </a:t>
+            </a:r>
+            <a:r>
+              <a:rPr lang="en-US" dirty="0" smtClean="0"/>
+              <a:t>re-computed</a:t>
+            </a:r>
+            <a:r>
+              <a:rPr lang="en-US" dirty="0"/>
+              <a:t>. </a:t>
+            </a:r>
+            <a:endParaRPr lang="en-US" dirty="0" smtClean="0">
+              <a:effectLst/>
+            </a:endParaRPr>
+          </a:p>
+          <a:p>
+            <a:endParaRPr lang="en-US" dirty="0"/>
+          </a:p>
+        </p:txBody>
+      </p:sp>
+      <p:sp>
+        <p:nvSpPr>
+          <p:cNvPr id="5" name="Text Placeholder 4"/>
+          <p:cNvSpPr>
+            <a:spLocks noGrp="1"/>
+          </p:cNvSpPr>
+          <p:nvPr>
+            <p:ph type="body" sz="quarter" idx="3"/>
+          </p:nvPr>
+        </p:nvSpPr>
+        <p:spPr/>
+        <p:txBody>
+          <a:bodyPr/>
+          <a:lstStyle/>
+          <a:p>
+            <a:r>
+              <a:rPr lang="en-US" b="1" dirty="0" smtClean="0"/>
+              <a:t>Disadvantages </a:t>
+            </a:r>
+            <a:endParaRPr lang="en-US" dirty="0"/>
+          </a:p>
+          <a:p>
+            <a:endParaRPr lang="en-US" dirty="0"/>
+          </a:p>
+        </p:txBody>
+      </p:sp>
+      <p:sp>
+        <p:nvSpPr>
+          <p:cNvPr id="6" name="Content Placeholder 5"/>
+          <p:cNvSpPr>
+            <a:spLocks noGrp="1"/>
+          </p:cNvSpPr>
+          <p:nvPr>
+            <p:ph sz="quarter" idx="4"/>
+          </p:nvPr>
+        </p:nvSpPr>
+        <p:spPr/>
+        <p:txBody>
+          <a:bodyPr>
+            <a:normAutofit/>
+          </a:bodyPr>
+          <a:lstStyle/>
+          <a:p>
+            <a:r>
+              <a:rPr lang="en-US" dirty="0" smtClean="0">
+                <a:solidFill>
+                  <a:srgbClr val="FF0000"/>
+                </a:solidFill>
+              </a:rPr>
+              <a:t>-</a:t>
+            </a:r>
+            <a:r>
+              <a:rPr lang="en-US" dirty="0" smtClean="0"/>
+              <a:t> Difficult </a:t>
+            </a:r>
+            <a:r>
+              <a:rPr lang="en-US" dirty="0"/>
+              <a:t>to predict the number of clusters (K-Value) </a:t>
+            </a:r>
+          </a:p>
+          <a:p>
+            <a:r>
+              <a:rPr lang="en-US" dirty="0">
+                <a:solidFill>
+                  <a:srgbClr val="FF0000"/>
+                </a:solidFill>
+              </a:rPr>
+              <a:t>-</a:t>
+            </a:r>
+            <a:r>
+              <a:rPr lang="en-US" dirty="0"/>
+              <a:t> </a:t>
+            </a:r>
+            <a:r>
+              <a:rPr lang="en-US" dirty="0" smtClean="0"/>
+              <a:t>Initial </a:t>
+            </a:r>
+            <a:r>
+              <a:rPr lang="en-US" dirty="0"/>
+              <a:t>seeds have a strong impact on the final results </a:t>
+            </a:r>
+          </a:p>
+          <a:p>
+            <a:r>
+              <a:rPr lang="en-US" dirty="0" smtClean="0">
+                <a:solidFill>
+                  <a:srgbClr val="FF0000"/>
+                </a:solidFill>
+              </a:rPr>
+              <a:t>-</a:t>
+            </a:r>
+            <a:r>
+              <a:rPr lang="en-US" dirty="0"/>
+              <a:t> The order of the data has an impact on the final results </a:t>
+            </a:r>
+          </a:p>
+          <a:p>
+            <a:r>
+              <a:rPr lang="en-US" dirty="0" smtClean="0">
+                <a:solidFill>
+                  <a:srgbClr val="FF0000"/>
+                </a:solidFill>
+              </a:rPr>
+              <a:t>-</a:t>
+            </a:r>
+            <a:r>
+              <a:rPr lang="en-US" dirty="0"/>
+              <a:t> </a:t>
+            </a:r>
+            <a:r>
+              <a:rPr lang="en-US" dirty="0" smtClean="0"/>
+              <a:t>Sensitive to scale</a:t>
+            </a:r>
+            <a:endParaRPr lang="en-US" dirty="0"/>
+          </a:p>
+          <a:p>
+            <a:endParaRPr lang="en-US" dirty="0"/>
+          </a:p>
+        </p:txBody>
+      </p:sp>
+    </p:spTree>
+    <p:extLst>
+      <p:ext uri="{BB962C8B-B14F-4D97-AF65-F5344CB8AC3E}">
+        <p14:creationId xmlns:p14="http://schemas.microsoft.com/office/powerpoint/2010/main" val="3487900733"/>
+      </p:ext>
+    </p:extLst>
+  </p:cSld>
+  <p:clrMapOvr>
+    <a:masterClrMapping/>
+  </p:clrMapOvr>
+</p:sld>
+</file>
+
 <file path=ppt/slides/slide17.xml><?xml version="1.0" encoding="utf-8"?>
 <p:sld xmlns:a="http://schemas.openxmlformats.org/drawingml/2006/main" xmlns:r="http://schemas.openxmlformats.org/officeDocument/2006/relationships" xmlns:p="http://schemas.openxmlformats.org/presentationml/2006/main">
   <p:cSld>
@@ -6163,312 +6123,6 @@
           <a:p>
             <a:r>
               <a:rPr lang="en-US" dirty="0" smtClean="0"/>
-              <a:t>Advantages </a:t>
-            </a:r>
-            <a:r>
-              <a:rPr lang="en-US" dirty="0"/>
-              <a:t>and Disadvantages </a:t>
-            </a:r>
-          </a:p>
-        </p:txBody>
-      </p:sp>
-      <p:sp>
-        <p:nvSpPr>
-          <p:cNvPr id="4" name="Text Placeholder 3"/>
-          <p:cNvSpPr>
-            <a:spLocks noGrp="1"/>
-          </p:cNvSpPr>
-          <p:nvPr>
-            <p:ph type="body" idx="1"/>
-          </p:nvPr>
-        </p:nvSpPr>
-        <p:spPr/>
-        <p:txBody>
-          <a:bodyPr/>
-          <a:lstStyle/>
-          <a:p>
-            <a:r>
-              <a:rPr lang="en-US" b="1" dirty="0"/>
-              <a:t>Advantages </a:t>
-            </a:r>
-            <a:endParaRPr lang="en-US" dirty="0"/>
-          </a:p>
-          <a:p>
-            <a:endParaRPr lang="en-US" dirty="0"/>
-          </a:p>
-        </p:txBody>
-      </p:sp>
-      <p:sp>
-        <p:nvSpPr>
-          <p:cNvPr id="3" name="Content Placeholder 2"/>
-          <p:cNvSpPr>
-            <a:spLocks noGrp="1"/>
-          </p:cNvSpPr>
-          <p:nvPr>
-            <p:ph sz="half" idx="2"/>
-          </p:nvPr>
-        </p:nvSpPr>
-        <p:spPr/>
-        <p:txBody>
-          <a:bodyPr>
-            <a:normAutofit/>
-          </a:bodyPr>
-          <a:lstStyle/>
-          <a:p>
-            <a:r>
-              <a:rPr lang="en-US" dirty="0" smtClean="0">
-                <a:solidFill>
-                  <a:srgbClr val="92D050"/>
-                </a:solidFill>
-              </a:rPr>
-              <a:t>+ </a:t>
-            </a:r>
-            <a:r>
-              <a:rPr lang="en-US" dirty="0" smtClean="0"/>
-              <a:t>Easy </a:t>
-            </a:r>
-            <a:r>
-              <a:rPr lang="en-US" dirty="0"/>
-              <a:t>to implement </a:t>
-            </a:r>
-            <a:endParaRPr lang="en-US" dirty="0" smtClean="0">
-              <a:effectLst/>
-            </a:endParaRPr>
-          </a:p>
-          <a:p>
-            <a:r>
-              <a:rPr lang="en-US" dirty="0" smtClean="0">
-                <a:solidFill>
-                  <a:srgbClr val="92D050"/>
-                </a:solidFill>
-              </a:rPr>
-              <a:t>+</a:t>
-            </a:r>
-            <a:r>
-              <a:rPr lang="en-US" dirty="0" smtClean="0"/>
-              <a:t> With </a:t>
-            </a:r>
-            <a:r>
-              <a:rPr lang="en-US" dirty="0"/>
-              <a:t>a large number of variables, K-Means may be </a:t>
-            </a:r>
-            <a:r>
-              <a:rPr lang="en-US" dirty="0" smtClean="0"/>
-              <a:t>computationally </a:t>
-            </a:r>
-            <a:r>
-              <a:rPr lang="en-US" dirty="0"/>
-              <a:t>faster than </a:t>
-            </a:r>
-            <a:r>
-              <a:rPr lang="en-US" dirty="0" smtClean="0"/>
-              <a:t>hierarchical clustering</a:t>
-            </a:r>
-            <a:endParaRPr lang="en-US" dirty="0" smtClean="0">
-              <a:effectLst/>
-            </a:endParaRPr>
-          </a:p>
-          <a:p>
-            <a:r>
-              <a:rPr lang="en-US" dirty="0" smtClean="0">
-                <a:solidFill>
-                  <a:srgbClr val="92D050"/>
-                </a:solidFill>
-              </a:rPr>
-              <a:t>+</a:t>
-            </a:r>
-            <a:r>
-              <a:rPr lang="en-US" dirty="0" smtClean="0"/>
-              <a:t> An </a:t>
-            </a:r>
-            <a:r>
-              <a:rPr lang="en-US" dirty="0"/>
-              <a:t>instance can change cluster (move to another cluster) when the centroids are </a:t>
-            </a:r>
-            <a:r>
-              <a:rPr lang="en-US" dirty="0" smtClean="0"/>
-              <a:t>re-computed</a:t>
-            </a:r>
-            <a:r>
-              <a:rPr lang="en-US" dirty="0"/>
-              <a:t>. </a:t>
-            </a:r>
-            <a:endParaRPr lang="en-US" dirty="0" smtClean="0">
-              <a:effectLst/>
-            </a:endParaRPr>
-          </a:p>
-          <a:p>
-            <a:endParaRPr lang="en-US" dirty="0"/>
-          </a:p>
-        </p:txBody>
-      </p:sp>
-      <p:sp>
-        <p:nvSpPr>
-          <p:cNvPr id="5" name="Text Placeholder 4"/>
-          <p:cNvSpPr>
-            <a:spLocks noGrp="1"/>
-          </p:cNvSpPr>
-          <p:nvPr>
-            <p:ph type="body" sz="quarter" idx="3"/>
-          </p:nvPr>
-        </p:nvSpPr>
-        <p:spPr/>
-        <p:txBody>
-          <a:bodyPr/>
-          <a:lstStyle/>
-          <a:p>
-            <a:r>
-              <a:rPr lang="en-US" b="1" dirty="0" smtClean="0"/>
-              <a:t>Disadvantages </a:t>
-            </a:r>
-            <a:endParaRPr lang="en-US" dirty="0"/>
-          </a:p>
-          <a:p>
-            <a:endParaRPr lang="en-US" dirty="0"/>
-          </a:p>
-        </p:txBody>
-      </p:sp>
-      <p:sp>
-        <p:nvSpPr>
-          <p:cNvPr id="6" name="Content Placeholder 5"/>
-          <p:cNvSpPr>
-            <a:spLocks noGrp="1"/>
-          </p:cNvSpPr>
-          <p:nvPr>
-            <p:ph sz="quarter" idx="4"/>
-          </p:nvPr>
-        </p:nvSpPr>
-        <p:spPr/>
-        <p:txBody>
-          <a:bodyPr>
-            <a:normAutofit/>
-          </a:bodyPr>
-          <a:lstStyle/>
-          <a:p>
-            <a:r>
-              <a:rPr lang="en-US" dirty="0" smtClean="0">
-                <a:solidFill>
-                  <a:srgbClr val="FF0000"/>
-                </a:solidFill>
-              </a:rPr>
-              <a:t>-</a:t>
-            </a:r>
-            <a:r>
-              <a:rPr lang="en-US" dirty="0" smtClean="0"/>
-              <a:t> Difficult </a:t>
-            </a:r>
-            <a:r>
-              <a:rPr lang="en-US" dirty="0"/>
-              <a:t>to predict the number of clusters (K-Value) </a:t>
-            </a:r>
-          </a:p>
-          <a:p>
-            <a:r>
-              <a:rPr lang="en-US" dirty="0">
-                <a:solidFill>
-                  <a:srgbClr val="FF0000"/>
-                </a:solidFill>
-              </a:rPr>
-              <a:t>-</a:t>
-            </a:r>
-            <a:r>
-              <a:rPr lang="en-US" dirty="0"/>
-              <a:t> </a:t>
-            </a:r>
-            <a:r>
-              <a:rPr lang="en-US" dirty="0" smtClean="0"/>
-              <a:t>Initial </a:t>
-            </a:r>
-            <a:r>
-              <a:rPr lang="en-US" dirty="0"/>
-              <a:t>seeds have a strong impact on the final results </a:t>
-            </a:r>
-          </a:p>
-          <a:p>
-            <a:r>
-              <a:rPr lang="en-US" dirty="0" smtClean="0">
-                <a:solidFill>
-                  <a:srgbClr val="FF0000"/>
-                </a:solidFill>
-              </a:rPr>
-              <a:t>-</a:t>
-            </a:r>
-            <a:r>
-              <a:rPr lang="en-US" dirty="0"/>
-              <a:t> The order of the data has an impact on the final results </a:t>
-            </a:r>
-          </a:p>
-          <a:p>
-            <a:r>
-              <a:rPr lang="en-US" dirty="0" smtClean="0">
-                <a:solidFill>
-                  <a:srgbClr val="FF0000"/>
-                </a:solidFill>
-              </a:rPr>
-              <a:t>-</a:t>
-            </a:r>
-            <a:r>
-              <a:rPr lang="en-US" dirty="0"/>
-              <a:t> </a:t>
-            </a:r>
-            <a:r>
-              <a:rPr lang="en-US" dirty="0" smtClean="0"/>
-              <a:t>Sensitive to scale</a:t>
-            </a:r>
-            <a:endParaRPr lang="en-US" dirty="0"/>
-          </a:p>
-          <a:p>
-            <a:endParaRPr lang="en-US" dirty="0"/>
-          </a:p>
-        </p:txBody>
-      </p:sp>
-    </p:spTree>
-    <p:extLst>
-      <p:ext uri="{BB962C8B-B14F-4D97-AF65-F5344CB8AC3E}">
-        <p14:creationId xmlns:p14="http://schemas.microsoft.com/office/powerpoint/2010/main" val="3487900733"/>
-      </p:ext>
-    </p:extLst>
-  </p:cSld>
-  <p:clrMapOvr>
-    <a:masterClrMapping/>
-  </p:clrMapOvr>
-</p:sld>
-</file>
-
-<file path=ppt/slides/slide18.xml><?xml version="1.0" encoding="utf-8"?>
-<p:sld xmlns:a="http://schemas.openxmlformats.org/drawingml/2006/main" xmlns:r="http://schemas.openxmlformats.org/officeDocument/2006/relationships" xmlns:p="http://schemas.openxmlformats.org/presentationml/2006/main">
-  <p:cSld>
-    <p:spTree>
-      <p:nvGrpSpPr>
-        <p:cNvPr id="1" name=""/>
-        <p:cNvGrpSpPr/>
-        <p:nvPr/>
-      </p:nvGrpSpPr>
-      <p:grpSpPr>
-        <a:xfrm>
-          <a:off x="0" y="0"/>
-          <a:ext cx="0" cy="0"/>
-          <a:chOff x="0" y="0"/>
-          <a:chExt cx="0" cy="0"/>
-        </a:xfrm>
-      </p:grpSpPr>
-      <p:sp>
-        <p:nvSpPr>
-          <p:cNvPr id="2" name="Title 1"/>
-          <p:cNvSpPr>
-            <a:spLocks noGrp="1"/>
-          </p:cNvSpPr>
-          <p:nvPr>
-            <p:ph type="title"/>
-          </p:nvPr>
-        </p:nvSpPr>
-        <p:spPr/>
-        <p:txBody>
-          <a:bodyPr/>
-          <a:lstStyle/>
-          <a:p>
-            <a:r>
-              <a:rPr lang="en-US" dirty="0" smtClean="0"/>
               <a:t>Possible real life usages</a:t>
             </a:r>
             <a:endParaRPr lang="en-US" dirty="0"/>
@@ -6565,7 +6219,7 @@
 </p:sld>
 </file>
 
-<file path=ppt/slides/slide19.xml><?xml version="1.0" encoding="utf-8"?>
+<file path=ppt/slides/slide18.xml><?xml version="1.0" encoding="utf-8"?>
 <p:sld xmlns:a="http://schemas.openxmlformats.org/drawingml/2006/main" xmlns:r="http://schemas.openxmlformats.org/officeDocument/2006/relationships" xmlns:p="http://schemas.openxmlformats.org/presentationml/2006/main">
   <p:cSld>
     <p:spTree>
@@ -6684,6 +6338,81 @@
     <p:extLst>
       <p:ext uri="{BB962C8B-B14F-4D97-AF65-F5344CB8AC3E}">
         <p14:creationId xmlns:p14="http://schemas.microsoft.com/office/powerpoint/2010/main" val="3179148108"/>
+      </p:ext>
+    </p:extLst>
+  </p:cSld>
+  <p:clrMapOvr>
+    <a:masterClrMapping/>
+  </p:clrMapOvr>
+</p:sld>
+</file>
+
+<file path=ppt/slides/slide19.xml><?xml version="1.0" encoding="utf-8"?>
+<p:sld xmlns:a="http://schemas.openxmlformats.org/drawingml/2006/main" xmlns:r="http://schemas.openxmlformats.org/officeDocument/2006/relationships" xmlns:p="http://schemas.openxmlformats.org/presentationml/2006/main">
+  <p:cSld>
+    <p:spTree>
+      <p:nvGrpSpPr>
+        <p:cNvPr id="1" name=""/>
+        <p:cNvGrpSpPr/>
+        <p:nvPr/>
+      </p:nvGrpSpPr>
+      <p:grpSpPr>
+        <a:xfrm>
+          <a:off x="0" y="0"/>
+          <a:ext cx="0" cy="0"/>
+          <a:chOff x="0" y="0"/>
+          <a:chExt cx="0" cy="0"/>
+        </a:xfrm>
+      </p:grpSpPr>
+      <p:sp>
+        <p:nvSpPr>
+          <p:cNvPr id="2" name="Title 1"/>
+          <p:cNvSpPr>
+            <a:spLocks noGrp="1"/>
+          </p:cNvSpPr>
+          <p:nvPr>
+            <p:ph type="title"/>
+          </p:nvPr>
+        </p:nvSpPr>
+        <p:spPr/>
+        <p:txBody>
+          <a:bodyPr/>
+          <a:lstStyle/>
+          <a:p>
+            <a:r>
+              <a:rPr lang="en-US" dirty="0" smtClean="0"/>
+              <a:t>Decision Tree</a:t>
+            </a:r>
+            <a:endParaRPr lang="en-US" dirty="0"/>
+          </a:p>
+        </p:txBody>
+      </p:sp>
+      <p:pic>
+        <p:nvPicPr>
+          <p:cNvPr id="5" name="Content Placeholder 4"/>
+          <p:cNvPicPr>
+            <a:picLocks noGrp="1" noChangeAspect="1"/>
+          </p:cNvPicPr>
+          <p:nvPr>
+            <p:ph idx="1"/>
+          </p:nvPr>
+        </p:nvPicPr>
+        <p:blipFill rotWithShape="1">
+          <a:blip r:embed="rId2"/>
+          <a:srcRect t="16679"/>
+          <a:stretch/>
+        </p:blipFill>
+        <p:spPr>
+          <a:xfrm>
+            <a:off x="1258784" y="2719450"/>
+            <a:ext cx="9678390" cy="3589276"/>
+          </a:xfrm>
+        </p:spPr>
+      </p:pic>
+    </p:spTree>
+    <p:extLst>
+      <p:ext uri="{BB962C8B-B14F-4D97-AF65-F5344CB8AC3E}">
+        <p14:creationId xmlns:p14="http://schemas.microsoft.com/office/powerpoint/2010/main" val="813069511"/>
       </p:ext>
     </p:extLst>
   </p:cSld>
@@ -6954,81 +6683,6 @@
           <a:p>
             <a:r>
               <a:rPr lang="en-US" dirty="0" smtClean="0"/>
-              <a:t>Decision Tree</a:t>
-            </a:r>
-            <a:endParaRPr lang="en-US" dirty="0"/>
-          </a:p>
-        </p:txBody>
-      </p:sp>
-      <p:pic>
-        <p:nvPicPr>
-          <p:cNvPr id="5" name="Content Placeholder 4"/>
-          <p:cNvPicPr>
-            <a:picLocks noGrp="1" noChangeAspect="1"/>
-          </p:cNvPicPr>
-          <p:nvPr>
-            <p:ph idx="1"/>
-          </p:nvPr>
-        </p:nvPicPr>
-        <p:blipFill rotWithShape="1">
-          <a:blip r:embed="rId2"/>
-          <a:srcRect t="16679"/>
-          <a:stretch/>
-        </p:blipFill>
-        <p:spPr>
-          <a:xfrm>
-            <a:off x="1258784" y="2719450"/>
-            <a:ext cx="9678390" cy="3589276"/>
-          </a:xfrm>
-        </p:spPr>
-      </p:pic>
-    </p:spTree>
-    <p:extLst>
-      <p:ext uri="{BB962C8B-B14F-4D97-AF65-F5344CB8AC3E}">
-        <p14:creationId xmlns:p14="http://schemas.microsoft.com/office/powerpoint/2010/main" val="813069511"/>
-      </p:ext>
-    </p:extLst>
-  </p:cSld>
-  <p:clrMapOvr>
-    <a:masterClrMapping/>
-  </p:clrMapOvr>
-</p:sld>
-</file>
-
-<file path=ppt/slides/slide21.xml><?xml version="1.0" encoding="utf-8"?>
-<p:sld xmlns:a="http://schemas.openxmlformats.org/drawingml/2006/main" xmlns:r="http://schemas.openxmlformats.org/officeDocument/2006/relationships" xmlns:p="http://schemas.openxmlformats.org/presentationml/2006/main">
-  <p:cSld>
-    <p:spTree>
-      <p:nvGrpSpPr>
-        <p:cNvPr id="1" name=""/>
-        <p:cNvGrpSpPr/>
-        <p:nvPr/>
-      </p:nvGrpSpPr>
-      <p:grpSpPr>
-        <a:xfrm>
-          <a:off x="0" y="0"/>
-          <a:ext cx="0" cy="0"/>
-          <a:chOff x="0" y="0"/>
-          <a:chExt cx="0" cy="0"/>
-        </a:xfrm>
-      </p:grpSpPr>
-      <p:sp>
-        <p:nvSpPr>
-          <p:cNvPr id="2" name="Title 1"/>
-          <p:cNvSpPr>
-            <a:spLocks noGrp="1"/>
-          </p:cNvSpPr>
-          <p:nvPr>
-            <p:ph type="title"/>
-          </p:nvPr>
-        </p:nvSpPr>
-        <p:spPr/>
-        <p:txBody>
-          <a:bodyPr/>
-          <a:lstStyle/>
-          <a:p>
-            <a:r>
-              <a:rPr lang="en-US" dirty="0" smtClean="0"/>
               <a:t>Random Forest</a:t>
             </a:r>
             <a:endParaRPr lang="en-US" dirty="0"/>
@@ -7075,7 +6729,7 @@
 </p:sld>
 </file>
 
-<file path=ppt/slides/slide22.xml><?xml version="1.0" encoding="utf-8"?>
+<file path=ppt/slides/slide21.xml><?xml version="1.0" encoding="utf-8"?>
 <p:sld xmlns:a="http://schemas.openxmlformats.org/drawingml/2006/main" xmlns:r="http://schemas.openxmlformats.org/officeDocument/2006/relationships" xmlns:p="http://schemas.openxmlformats.org/presentationml/2006/main">
   <p:cSld>
     <p:spTree>
@@ -7348,7 +7002,7 @@
 </p:sld>
 </file>
 
-<file path=ppt/slides/slide23.xml><?xml version="1.0" encoding="utf-8"?>
+<file path=ppt/slides/slide22.xml><?xml version="1.0" encoding="utf-8"?>
 <p:sld xmlns:a="http://schemas.openxmlformats.org/drawingml/2006/main" xmlns:r="http://schemas.openxmlformats.org/officeDocument/2006/relationships" xmlns:p="http://schemas.openxmlformats.org/presentationml/2006/main">
   <p:cSld>
     <p:spTree>
@@ -7471,7 +7125,7 @@
 </p:sld>
 </file>
 
-<file path=ppt/slides/slide24.xml><?xml version="1.0" encoding="utf-8"?>
+<file path=ppt/slides/slide23.xml><?xml version="1.0" encoding="utf-8"?>
 <p:sld xmlns:a="http://schemas.openxmlformats.org/drawingml/2006/main" xmlns:r="http://schemas.openxmlformats.org/officeDocument/2006/relationships" xmlns:p="http://schemas.openxmlformats.org/presentationml/2006/main">
   <p:cSld>
     <p:spTree>
@@ -7580,7 +7234,7 @@
 </p:sld>
 </file>
 
-<file path=ppt/slides/slide25.xml><?xml version="1.0" encoding="utf-8"?>
+<file path=ppt/slides/slide24.xml><?xml version="1.0" encoding="utf-8"?>
 <p:sld xmlns:a="http://schemas.openxmlformats.org/drawingml/2006/main" xmlns:r="http://schemas.openxmlformats.org/officeDocument/2006/relationships" xmlns:p="http://schemas.openxmlformats.org/presentationml/2006/main">
   <p:cSld>
     <p:spTree>
@@ -7652,7 +7306,7 @@
 </p:sld>
 </file>
 
-<file path=ppt/slides/slide26.xml><?xml version="1.0" encoding="utf-8"?>
+<file path=ppt/slides/slide25.xml><?xml version="1.0" encoding="utf-8"?>
 <p:sld xmlns:a="http://schemas.openxmlformats.org/drawingml/2006/main" xmlns:r="http://schemas.openxmlformats.org/officeDocument/2006/relationships" xmlns:p="http://schemas.openxmlformats.org/presentationml/2006/main">
   <p:cSld>
     <p:spTree>
@@ -8366,7 +8020,7 @@
 </p:sld>
 </file>
 
-<file path=ppt/slides/slide27.xml><?xml version="1.0" encoding="utf-8"?>
+<file path=ppt/slides/slide26.xml><?xml version="1.0" encoding="utf-8"?>
 <p:sld xmlns:a="http://schemas.openxmlformats.org/drawingml/2006/main" xmlns:r="http://schemas.openxmlformats.org/officeDocument/2006/relationships" xmlns:p="http://schemas.openxmlformats.org/presentationml/2006/main">
   <p:cSld>
     <p:spTree>
@@ -9575,7 +9229,7 @@
 </p:sld>
 </file>
 
-<file path=ppt/slides/slide28.xml><?xml version="1.0" encoding="utf-8"?>
+<file path=ppt/slides/slide27.xml><?xml version="1.0" encoding="utf-8"?>
 <p:sld xmlns:a="http://schemas.openxmlformats.org/drawingml/2006/main" xmlns:r="http://schemas.openxmlformats.org/officeDocument/2006/relationships" xmlns:p="http://schemas.openxmlformats.org/presentationml/2006/main">
   <p:cSld>
     <p:spTree>
@@ -10170,6 +9824,224 @@
 </p:sld>
 </file>
 
+<file path=ppt/slides/slide28.xml><?xml version="1.0" encoding="utf-8"?>
+<p:sld xmlns:a="http://schemas.openxmlformats.org/drawingml/2006/main" xmlns:r="http://schemas.openxmlformats.org/officeDocument/2006/relationships" xmlns:p="http://schemas.openxmlformats.org/presentationml/2006/main">
+  <p:cSld>
+    <p:spTree>
+      <p:nvGrpSpPr>
+        <p:cNvPr id="1" name=""/>
+        <p:cNvGrpSpPr/>
+        <p:nvPr/>
+      </p:nvGrpSpPr>
+      <p:grpSpPr>
+        <a:xfrm>
+          <a:off x="0" y="0"/>
+          <a:ext cx="0" cy="0"/>
+          <a:chOff x="0" y="0"/>
+          <a:chExt cx="0" cy="0"/>
+        </a:xfrm>
+      </p:grpSpPr>
+      <p:sp>
+        <p:nvSpPr>
+          <p:cNvPr id="2" name="Title 1"/>
+          <p:cNvSpPr>
+            <a:spLocks noGrp="1"/>
+          </p:cNvSpPr>
+          <p:nvPr>
+            <p:ph type="title"/>
+          </p:nvPr>
+        </p:nvSpPr>
+        <p:spPr/>
+        <p:txBody>
+          <a:bodyPr/>
+          <a:lstStyle/>
+          <a:p>
+            <a:r>
+              <a:rPr lang="en-US" dirty="0" smtClean="0"/>
+              <a:t>Analysis Using IRIS </a:t>
+            </a:r>
+            <a:r>
+              <a:rPr lang="en-US" dirty="0" err="1" smtClean="0"/>
+              <a:t>DataSET</a:t>
+            </a:r>
+            <a:endParaRPr lang="en-US" dirty="0"/>
+          </a:p>
+        </p:txBody>
+      </p:sp>
+      <p:pic>
+        <p:nvPicPr>
+          <p:cNvPr id="6" name="Content Placeholder 5"/>
+          <p:cNvPicPr>
+            <a:picLocks noGrp="1" noChangeAspect="1"/>
+          </p:cNvPicPr>
+          <p:nvPr>
+            <p:ph idx="1"/>
+          </p:nvPr>
+        </p:nvPicPr>
+        <p:blipFill>
+          <a:blip r:embed="rId2"/>
+          <a:stretch>
+            <a:fillRect/>
+          </a:stretch>
+        </p:blipFill>
+        <p:spPr>
+          <a:xfrm>
+            <a:off x="2888551" y="2084832"/>
+            <a:ext cx="5991225" cy="1571625"/>
+          </a:xfrm>
+          <a:prstGeom prst="rect">
+            <a:avLst/>
+          </a:prstGeom>
+        </p:spPr>
+      </p:pic>
+      <p:sp>
+        <p:nvSpPr>
+          <p:cNvPr id="7" name="TextBox 6"/>
+          <p:cNvSpPr txBox="1"/>
+          <p:nvPr/>
+        </p:nvSpPr>
+        <p:spPr>
+          <a:xfrm>
+            <a:off x="1713854" y="3784600"/>
+            <a:ext cx="8340617" cy="1754326"/>
+          </a:xfrm>
+          <a:prstGeom prst="rect">
+            <a:avLst/>
+          </a:prstGeom>
+          <a:noFill/>
+        </p:spPr>
+        <p:txBody>
+          <a:bodyPr wrap="none" rtlCol="0">
+            <a:spAutoFit/>
+          </a:bodyPr>
+          <a:lstStyle/>
+          <a:p>
+            <a:r>
+              <a:rPr lang="en-US" dirty="0"/>
+              <a:t>This is perhaps the best known database to be found in the pattern recognition literature</a:t>
+            </a:r>
+            <a:r>
+              <a:rPr lang="en-US" dirty="0" smtClean="0"/>
+              <a:t>.</a:t>
+            </a:r>
+          </a:p>
+          <a:p>
+            <a:r>
+              <a:rPr lang="en-US" b="1" dirty="0"/>
+              <a:t>Attribute Information:</a:t>
+            </a:r>
+            <a:endParaRPr lang="en-US" dirty="0"/>
+          </a:p>
+          <a:p>
+            <a:r>
+              <a:rPr lang="en-US" dirty="0"/>
+              <a:t>1. sepal length in </a:t>
+            </a:r>
+            <a:r>
+              <a:rPr lang="en-US" dirty="0" smtClean="0"/>
+              <a:t>cm  	2</a:t>
+            </a:r>
+            <a:r>
+              <a:rPr lang="en-US" dirty="0"/>
+              <a:t>. sepal width in cm </a:t>
+            </a:r>
+            <a:br>
+              <a:rPr lang="en-US" dirty="0"/>
+            </a:br>
+            <a:r>
+              <a:rPr lang="en-US" dirty="0" smtClean="0"/>
+              <a:t>3</a:t>
+            </a:r>
+            <a:r>
+              <a:rPr lang="en-US" dirty="0"/>
+              <a:t>. petal length in cm </a:t>
+            </a:r>
+            <a:r>
+              <a:rPr lang="en-US" dirty="0" smtClean="0"/>
+              <a:t>  	4</a:t>
+            </a:r>
+            <a:r>
+              <a:rPr lang="en-US" dirty="0"/>
+              <a:t>. petal width in cm </a:t>
+            </a:r>
+            <a:br>
+              <a:rPr lang="en-US" dirty="0"/>
+            </a:br>
+            <a:r>
+              <a:rPr lang="en-US" dirty="0"/>
+              <a:t>5. class: </a:t>
+            </a:r>
+            <a:r>
+              <a:rPr lang="en-US" dirty="0" smtClean="0"/>
+              <a:t>	-- </a:t>
+            </a:r>
+            <a:r>
+              <a:rPr lang="en-US" dirty="0"/>
+              <a:t>Iris </a:t>
+            </a:r>
+            <a:r>
+              <a:rPr lang="en-US" dirty="0" err="1"/>
+              <a:t>Setosa</a:t>
+            </a:r>
+            <a:r>
+              <a:rPr lang="en-US" dirty="0"/>
+              <a:t> 	</a:t>
+            </a:r>
+            <a:r>
+              <a:rPr lang="en-US" dirty="0" smtClean="0"/>
+              <a:t>-- </a:t>
+            </a:r>
+            <a:r>
+              <a:rPr lang="en-US" dirty="0"/>
+              <a:t>Iris </a:t>
+            </a:r>
+            <a:r>
+              <a:rPr lang="en-US" dirty="0" err="1" smtClean="0"/>
+              <a:t>Versicolour</a:t>
+            </a:r>
+            <a:r>
+              <a:rPr lang="en-US" dirty="0"/>
+              <a:t>	</a:t>
+            </a:r>
+            <a:r>
+              <a:rPr lang="en-US" dirty="0" smtClean="0"/>
+              <a:t>	-- </a:t>
+            </a:r>
+            <a:r>
+              <a:rPr lang="en-US" dirty="0"/>
+              <a:t>Iris </a:t>
+            </a:r>
+            <a:r>
+              <a:rPr lang="en-US" dirty="0" err="1"/>
+              <a:t>Virginica</a:t>
+            </a:r>
+            <a:endParaRPr lang="en-US" dirty="0"/>
+          </a:p>
+          <a:p>
+            <a:endParaRPr lang="en-US" dirty="0"/>
+          </a:p>
+        </p:txBody>
+      </p:sp>
+    </p:spTree>
+    <p:extLst>
+      <p:ext uri="{BB962C8B-B14F-4D97-AF65-F5344CB8AC3E}">
+        <p14:creationId xmlns:p14="http://schemas.microsoft.com/office/powerpoint/2010/main" val="1342180589"/>
+      </p:ext>
+    </p:extLst>
+  </p:cSld>
+  <p:clrMapOvr>
+    <a:masterClrMapping/>
+  </p:clrMapOvr>
+  <p:timing>
+    <p:tnLst>
+      <p:par>
+        <p:cTn id="1" dur="indefinite" restart="never" nodeType="tmRoot"/>
+      </p:par>
+    </p:tnLst>
+  </p:timing>
+</p:sld>
+</file>
+
 <file path=ppt/slides/slide29.xml><?xml version="1.0" encoding="utf-8"?>
 <p:sld xmlns:a="http://schemas.openxmlformats.org/drawingml/2006/main" xmlns:r="http://schemas.openxmlformats.org/officeDocument/2006/relationships" xmlns:p="http://schemas.openxmlformats.org/presentationml/2006/main">
   <p:cSld>
@@ -10187,191 +10059,34 @@
           <a:chExt cx="0" cy="0"/>
         </a:xfrm>
       </p:grpSpPr>
-      <p:sp>
-        <p:nvSpPr>
-          <p:cNvPr id="2" name="Title 1"/>
-          <p:cNvSpPr>
-            <a:spLocks noGrp="1"/>
-          </p:cNvSpPr>
-          <p:nvPr>
-            <p:ph type="title"/>
-          </p:nvPr>
-        </p:nvSpPr>
-        <p:spPr/>
-        <p:txBody>
-          <a:bodyPr/>
-          <a:lstStyle/>
-          <a:p>
-            <a:r>
-              <a:rPr lang="en-US" dirty="0" smtClean="0"/>
-              <a:t>Analysis Using IRIS </a:t>
-            </a:r>
-            <a:r>
-              <a:rPr lang="en-US" dirty="0" err="1" smtClean="0"/>
-              <a:t>DataSET</a:t>
-            </a:r>
-            <a:endParaRPr lang="en-US" dirty="0"/>
-          </a:p>
-        </p:txBody>
-      </p:sp>
-      <p:pic>
-        <p:nvPicPr>
-          <p:cNvPr id="6" name="Content Placeholder 5"/>
-          <p:cNvPicPr>
-            <a:picLocks noGrp="1" noChangeAspect="1"/>
-          </p:cNvPicPr>
-          <p:nvPr>
-            <p:ph idx="1"/>
-          </p:nvPr>
-        </p:nvPicPr>
-        <p:blipFill>
-          <a:blip r:embed="rId2"/>
-          <a:stretch>
-            <a:fillRect/>
-          </a:stretch>
-        </p:blipFill>
-        <p:spPr>
-          <a:xfrm>
-            <a:off x="2888551" y="2084832"/>
-            <a:ext cx="5991225" cy="1571625"/>
-          </a:xfrm>
-          <a:prstGeom prst="rect">
-            <a:avLst/>
-          </a:prstGeom>
-        </p:spPr>
-      </p:pic>
-      <p:sp>
-        <p:nvSpPr>
-          <p:cNvPr id="7" name="TextBox 6"/>
-          <p:cNvSpPr txBox="1"/>
-          <p:nvPr/>
-        </p:nvSpPr>
-        <p:spPr>
-          <a:xfrm>
-            <a:off x="1713854" y="3784600"/>
-            <a:ext cx="8340617" cy="1754326"/>
-          </a:xfrm>
-          <a:prstGeom prst="rect">
-            <a:avLst/>
-          </a:prstGeom>
-          <a:noFill/>
-        </p:spPr>
-        <p:txBody>
-          <a:bodyPr wrap="none" rtlCol="0">
-            <a:spAutoFit/>
-          </a:bodyPr>
-          <a:lstStyle/>
-          <a:p>
-            <a:r>
-              <a:rPr lang="en-US" dirty="0"/>
-              <a:t>This is perhaps the best known database to be found in the pattern recognition literature</a:t>
-            </a:r>
-            <a:r>
-              <a:rPr lang="en-US" dirty="0" smtClean="0"/>
-              <a:t>.</a:t>
-            </a:r>
-          </a:p>
-          <a:p>
-            <a:r>
-              <a:rPr lang="en-US" b="1" dirty="0"/>
-              <a:t>Attribute Information:</a:t>
-            </a:r>
-            <a:endParaRPr lang="en-US" dirty="0"/>
-          </a:p>
-          <a:p>
-            <a:r>
-              <a:rPr lang="en-US" dirty="0"/>
-              <a:t>1. sepal length in </a:t>
-            </a:r>
-            <a:r>
-              <a:rPr lang="en-US" dirty="0" smtClean="0"/>
-              <a:t>cm  	2</a:t>
-            </a:r>
-            <a:r>
-              <a:rPr lang="en-US" dirty="0"/>
-              <a:t>. sepal width in cm </a:t>
-            </a:r>
-            <a:br>
-              <a:rPr lang="en-US" dirty="0"/>
-            </a:br>
-            <a:r>
-              <a:rPr lang="en-US" dirty="0" smtClean="0"/>
-              <a:t>3</a:t>
-            </a:r>
-            <a:r>
-              <a:rPr lang="en-US" dirty="0"/>
-              <a:t>. petal length in cm </a:t>
-            </a:r>
-            <a:r>
-              <a:rPr lang="en-US" dirty="0" smtClean="0"/>
-              <a:t>  	4</a:t>
-            </a:r>
-            <a:r>
-              <a:rPr lang="en-US" dirty="0"/>
-              <a:t>. petal width in cm </a:t>
-            </a:r>
-            <a:br>
-              <a:rPr lang="en-US" dirty="0"/>
-            </a:br>
-            <a:r>
-              <a:rPr lang="en-US" dirty="0"/>
-              <a:t>5. class: </a:t>
-            </a:r>
-            <a:r>
-              <a:rPr lang="en-US" dirty="0" smtClean="0"/>
-              <a:t>	-- </a:t>
-            </a:r>
-            <a:r>
-              <a:rPr lang="en-US" dirty="0"/>
-              <a:t>Iris </a:t>
-            </a:r>
-            <a:r>
-              <a:rPr lang="en-US" dirty="0" err="1"/>
-              <a:t>Setosa</a:t>
-            </a:r>
-            <a:r>
-              <a:rPr lang="en-US" dirty="0"/>
-              <a:t> 	</a:t>
-            </a:r>
-            <a:r>
-              <a:rPr lang="en-US" dirty="0" smtClean="0"/>
-              <a:t>-- </a:t>
-            </a:r>
-            <a:r>
-              <a:rPr lang="en-US" dirty="0"/>
-              <a:t>Iris </a:t>
-            </a:r>
-            <a:r>
-              <a:rPr lang="en-US" dirty="0" err="1" smtClean="0"/>
-              <a:t>Versicolour</a:t>
-            </a:r>
-            <a:r>
-              <a:rPr lang="en-US" dirty="0"/>
-              <a:t>	</a:t>
-            </a:r>
-            <a:r>
-              <a:rPr lang="en-US" dirty="0" smtClean="0"/>
-              <a:t>	-- </a:t>
-            </a:r>
-            <a:r>
-              <a:rPr lang="en-US" dirty="0"/>
-              <a:t>Iris </a:t>
-            </a:r>
-            <a:r>
-              <a:rPr lang="en-US" dirty="0" err="1"/>
-              <a:t>Virginica</a:t>
-            </a:r>
-            <a:endParaRPr lang="en-US" dirty="0"/>
-          </a:p>
-          <a:p>
-            <a:endParaRPr lang="en-US" dirty="0"/>
-          </a:p>
-        </p:txBody>
-      </p:sp>
+      <p:graphicFrame>
+        <p:nvGraphicFramePr>
+          <p:cNvPr id="4" name="Chart 3"/>
+          <p:cNvGraphicFramePr>
+            <a:graphicFrameLocks/>
+          </p:cNvGraphicFramePr>
+          <p:nvPr>
+            <p:extLst>
+              <p:ext uri="{D42A27DB-BD31-4B8C-83A1-F6EECF244321}">
+                <p14:modId xmlns:p14="http://schemas.microsoft.com/office/powerpoint/2010/main" val="56861278"/>
+              </p:ext>
+            </p:extLst>
+          </p:nvPr>
+        </p:nvGraphicFramePr>
+        <p:xfrm>
+          <a:off x="266700" y="0"/>
+          <a:ext cx="11658600" cy="6858000"/>
+        </p:xfrm>
+        <a:graphic>
+          <a:graphicData uri="http://schemas.openxmlformats.org/drawingml/2006/chart">
+            <c:chart xmlns:c="http://schemas.openxmlformats.org/drawingml/2006/chart" xmlns:r="http://schemas.openxmlformats.org/officeDocument/2006/relationships" r:id="rId2"/>
+          </a:graphicData>
+        </a:graphic>
+      </p:graphicFrame>
     </p:spTree>
     <p:extLst>
       <p:ext uri="{BB962C8B-B14F-4D97-AF65-F5344CB8AC3E}">
-        <p14:creationId xmlns:p14="http://schemas.microsoft.com/office/powerpoint/2010/main" val="1342180589"/>
+        <p14:creationId xmlns:p14="http://schemas.microsoft.com/office/powerpoint/2010/main" val="3967269595"/>
       </p:ext>
     </p:extLst>
   </p:cSld>
@@ -10685,67 +10400,6 @@
   <p:clrMapOvr>
     <a:masterClrMapping/>
   </p:clrMapOvr>
-</p:sld>
-</file>
-
-<file path=ppt/slides/slide30.xml><?xml version="1.0" encoding="utf-8"?>
-<p:sld xmlns:a="http://schemas.openxmlformats.org/drawingml/2006/main" xmlns:r="http://schemas.openxmlformats.org/officeDocument/2006/relationships" xmlns:p="http://schemas.openxmlformats.org/presentationml/2006/main">
-  <p:cSld>
-    <p:spTree>
-      <p:nvGrpSpPr>
-        <p:cNvPr id="1" name=""/>
-        <p:cNvGrpSpPr/>
-        <p:nvPr/>
-      </p:nvGrpSpPr>
-      <p:grpSpPr>
-        <a:xfrm>
-          <a:off x="0" y="0"/>
-          <a:ext cx="0" cy="0"/>
-          <a:chOff x="0" y="0"/>
-          <a:chExt cx="0" cy="0"/>
-        </a:xfrm>
-      </p:grpSpPr>
-      <p:graphicFrame>
-        <p:nvGraphicFramePr>
-          <p:cNvPr id="4" name="Chart 3"/>
-          <p:cNvGraphicFramePr>
-            <a:graphicFrameLocks/>
-          </p:cNvGraphicFramePr>
-          <p:nvPr>
-            <p:extLst>
-              <p:ext uri="{D42A27DB-BD31-4B8C-83A1-F6EECF244321}">
-                <p14:modId xmlns:p14="http://schemas.microsoft.com/office/powerpoint/2010/main" val="56861278"/>
-              </p:ext>
-            </p:extLst>
-          </p:nvPr>
-        </p:nvGraphicFramePr>
-        <p:xfrm>
-          <a:off x="266700" y="0"/>
-          <a:ext cx="11658600" cy="6858000"/>
-        </p:xfrm>
-        <a:graphic>
-          <a:graphicData uri="http://schemas.openxmlformats.org/drawingml/2006/chart">
-            <c:chart xmlns:c="http://schemas.openxmlformats.org/drawingml/2006/chart" xmlns:r="http://schemas.openxmlformats.org/officeDocument/2006/relationships" r:id="rId2"/>
-          </a:graphicData>
-        </a:graphic>
-      </p:graphicFrame>
-    </p:spTree>
-    <p:extLst>
-      <p:ext uri="{BB962C8B-B14F-4D97-AF65-F5344CB8AC3E}">
-        <p14:creationId xmlns:p14="http://schemas.microsoft.com/office/powerpoint/2010/main" val="3967269595"/>
-      </p:ext>
-    </p:extLst>
-  </p:cSld>
-  <p:clrMapOvr>
-    <a:masterClrMapping/>
-  </p:clrMapOvr>
-  <p:timing>
-    <p:tnLst>
-      <p:par>
-        <p:cTn id="1" dur="indefinite" restart="never" nodeType="tmRoot"/>
-      </p:par>
-    </p:tnLst>
-  </p:timing>
 </p:sld>
 </file>
 
@@ -11113,18 +10767,25 @@
           <a:bodyPr/>
           <a:lstStyle/>
           <a:p>
-            <a:endParaRPr lang="en-US"/>
-          </a:p>
-        </p:txBody>
-      </p:sp>
-      <p:sp>
-        <p:nvSpPr>
-          <p:cNvPr id="3" name="Content Placeholder 2"/>
-          <p:cNvSpPr>
-            <a:spLocks noGrp="1"/>
-          </p:cNvSpPr>
-          <p:nvPr>
-            <p:ph idx="1"/>
+            <a:r>
+              <a:rPr lang="en-US" dirty="0">
+                <a:solidFill>
+                  <a:schemeClr val="tx1"/>
+                </a:solidFill>
+              </a:rPr>
+              <a:t>ADVANTAGES &amp; DISADVANTAGES</a:t>
+            </a:r>
+          </a:p>
+        </p:txBody>
+      </p:sp>
+      <p:sp>
+        <p:nvSpPr>
+          <p:cNvPr id="9" name="Text Placeholder 8"/>
+          <p:cNvSpPr>
+            <a:spLocks noGrp="1"/>
+          </p:cNvSpPr>
+          <p:nvPr>
+            <p:ph type="body" idx="1"/>
           </p:nvPr>
         </p:nvSpPr>
         <p:spPr/>
@@ -11132,53 +10793,188 @@
           <a:bodyPr/>
           <a:lstStyle/>
           <a:p>
-            <a:endParaRPr lang="en-US"/>
-          </a:p>
-        </p:txBody>
-      </p:sp>
-      <p:pic>
-        <p:nvPicPr>
-          <p:cNvPr id="2052" name="Picture 4" descr="https://www.machinelearningplus.com/wp-content/uploads/2017/09/linear_vs_logistic_regression.jpg"/>
-          <p:cNvPicPr>
-            <a:picLocks noChangeAspect="1" noChangeArrowheads="1"/>
-          </p:cNvPicPr>
-          <p:nvPr/>
-        </p:nvPicPr>
-        <p:blipFill rotWithShape="1">
-          <a:blip r:embed="rId2">
-            <a:extLst>
-              <a:ext uri="{28A0092B-C50C-407E-A947-70E740481C1C}">
-                <a14:useLocalDpi xmlns:a14="http://schemas.microsoft.com/office/drawing/2010/main" val="0"/>
-              </a:ext>
-            </a:extLst>
-          </a:blip>
-          <a:srcRect l="50043" t="9290"/>
-          <a:stretch/>
-        </p:blipFill>
-        <p:spPr bwMode="auto">
-          <a:xfrm>
-            <a:off x="8991599" y="2084832"/>
-            <a:ext cx="8572501" cy="4200144"/>
-          </a:xfrm>
-          <a:prstGeom prst="rect">
-            <a:avLst/>
-          </a:prstGeom>
-          <a:noFill/>
-          <a:extLst>
-            <a:ext uri="{909E8E84-426E-40DD-AFC4-6F175D3DCCD1}">
-              <a14:hiddenFill xmlns:a14="http://schemas.microsoft.com/office/drawing/2010/main">
+            <a:r>
+              <a:rPr lang="en-US" dirty="0"/>
+              <a:t>Advantages</a:t>
+            </a:r>
+          </a:p>
+        </p:txBody>
+      </p:sp>
+      <p:sp>
+        <p:nvSpPr>
+          <p:cNvPr id="10" name="Content Placeholder 9"/>
+          <p:cNvSpPr>
+            <a:spLocks noGrp="1"/>
+          </p:cNvSpPr>
+          <p:nvPr>
+            <p:ph sz="half" idx="2"/>
+          </p:nvPr>
+        </p:nvSpPr>
+        <p:spPr/>
+        <p:txBody>
+          <a:bodyPr>
+            <a:normAutofit/>
+          </a:bodyPr>
+          <a:lstStyle/>
+          <a:p>
+            <a:pPr marL="0" indent="0">
+              <a:buNone/>
+            </a:pPr>
+            <a:r>
+              <a:rPr lang="en-US" dirty="0" smtClean="0">
                 <a:solidFill>
-                  <a:srgbClr val="FFFFFF"/>
+                  <a:srgbClr val="00B050"/>
                 </a:solidFill>
-              </a14:hiddenFill>
-            </a:ext>
-          </a:extLst>
-        </p:spPr>
-      </p:pic>
+              </a:rPr>
+              <a:t>+</a:t>
+            </a:r>
+            <a:r>
+              <a:rPr lang="en-US" dirty="0" smtClean="0"/>
+              <a:t> Easy to interpret</a:t>
+            </a:r>
+            <a:endParaRPr lang="en-US" dirty="0"/>
+          </a:p>
+          <a:p>
+            <a:pPr marL="0" indent="0">
+              <a:buNone/>
+            </a:pPr>
+            <a:r>
+              <a:rPr lang="en-US" dirty="0" smtClean="0">
+                <a:solidFill>
+                  <a:srgbClr val="00B050"/>
+                </a:solidFill>
+              </a:rPr>
+              <a:t>+ </a:t>
+            </a:r>
+            <a:r>
+              <a:rPr lang="en-US" dirty="0" smtClean="0"/>
+              <a:t>It </a:t>
+            </a:r>
+            <a:r>
+              <a:rPr lang="en-US" dirty="0"/>
+              <a:t>does not assume a linear relationship between the IV and </a:t>
+            </a:r>
+            <a:r>
+              <a:rPr lang="en-US" dirty="0" smtClean="0"/>
+              <a:t>DV</a:t>
+            </a:r>
+          </a:p>
+          <a:p>
+            <a:pPr>
+              <a:buFont typeface="Wingdings" panose="05000000000000000000" pitchFamily="2" charset="2"/>
+              <a:buChar char="§"/>
+            </a:pPr>
+            <a:endParaRPr lang="en-US" dirty="0"/>
+          </a:p>
+        </p:txBody>
+      </p:sp>
+      <p:sp>
+        <p:nvSpPr>
+          <p:cNvPr id="11" name="Text Placeholder 10"/>
+          <p:cNvSpPr>
+            <a:spLocks noGrp="1"/>
+          </p:cNvSpPr>
+          <p:nvPr>
+            <p:ph type="body" sz="quarter" idx="3"/>
+          </p:nvPr>
+        </p:nvSpPr>
+        <p:spPr/>
+        <p:txBody>
+          <a:bodyPr/>
+          <a:lstStyle/>
+          <a:p>
+            <a:r>
+              <a:rPr lang="en-US" dirty="0"/>
+              <a:t>Disadvantages</a:t>
+            </a:r>
+          </a:p>
+        </p:txBody>
+      </p:sp>
+      <p:sp>
+        <p:nvSpPr>
+          <p:cNvPr id="12" name="Content Placeholder 11"/>
+          <p:cNvSpPr>
+            <a:spLocks noGrp="1"/>
+          </p:cNvSpPr>
+          <p:nvPr>
+            <p:ph sz="quarter" idx="4"/>
+          </p:nvPr>
+        </p:nvSpPr>
+        <p:spPr/>
+        <p:txBody>
+          <a:bodyPr>
+            <a:noAutofit/>
+          </a:bodyPr>
+          <a:lstStyle/>
+          <a:p>
+            <a:pPr marL="0" indent="0">
+              <a:buNone/>
+            </a:pPr>
+            <a:r>
+              <a:rPr lang="en-US" dirty="0" smtClean="0">
+                <a:solidFill>
+                  <a:srgbClr val="FF0000"/>
+                </a:solidFill>
+              </a:rPr>
+              <a:t>- </a:t>
+            </a:r>
+            <a:r>
+              <a:rPr lang="en-US" dirty="0" smtClean="0"/>
+              <a:t>Logistic </a:t>
+            </a:r>
+            <a:r>
+              <a:rPr lang="en-US" dirty="0"/>
+              <a:t>regression tends to underperform when there are multiple or non-linear decision boundaries.</a:t>
+            </a:r>
+          </a:p>
+          <a:p>
+            <a:pPr marL="0" indent="0">
+              <a:buNone/>
+            </a:pPr>
+            <a:r>
+              <a:rPr lang="en-US" dirty="0" smtClean="0">
+                <a:solidFill>
+                  <a:srgbClr val="FF0000"/>
+                </a:solidFill>
+              </a:rPr>
+              <a:t>-</a:t>
+            </a:r>
+            <a:r>
+              <a:rPr lang="en-US" dirty="0" smtClean="0"/>
+              <a:t> They </a:t>
+            </a:r>
+            <a:r>
+              <a:rPr lang="en-US" dirty="0"/>
+              <a:t>are not flexible enough to naturally capture more complex relationships.</a:t>
+            </a:r>
+          </a:p>
+          <a:p>
+            <a:pPr marL="0" indent="0">
+              <a:buNone/>
+            </a:pPr>
+            <a:r>
+              <a:rPr lang="en-US" dirty="0" smtClean="0">
+                <a:solidFill>
+                  <a:srgbClr val="FF0000"/>
+                </a:solidFill>
+              </a:rPr>
+              <a:t>- </a:t>
+            </a:r>
+            <a:r>
+              <a:rPr lang="en-US" dirty="0" smtClean="0"/>
+              <a:t>Logistic </a:t>
+            </a:r>
+            <a:r>
+              <a:rPr lang="en-US" dirty="0"/>
+              <a:t>regression in effect has no more assumptions than many other methods, and one can be misled by choosing an improper accuracy scoring rule.</a:t>
+            </a:r>
+          </a:p>
+        </p:txBody>
+      </p:sp>
     </p:spTree>
     <p:extLst>
       <p:ext uri="{BB962C8B-B14F-4D97-AF65-F5344CB8AC3E}">
-        <p14:creationId xmlns:p14="http://schemas.microsoft.com/office/powerpoint/2010/main" val="1078011393"/>
+        <p14:creationId xmlns:p14="http://schemas.microsoft.com/office/powerpoint/2010/main" val="300998435"/>
       </p:ext>
     </p:extLst>
   </p:cSld>
@@ -11207,255 +11003,6 @@
       </p:grpSpPr>
       <p:sp>
         <p:nvSpPr>
-          <p:cNvPr id="2" name="Title 1"/>
-          <p:cNvSpPr>
-            <a:spLocks noGrp="1"/>
-          </p:cNvSpPr>
-          <p:nvPr>
-            <p:ph type="title"/>
-          </p:nvPr>
-        </p:nvSpPr>
-        <p:spPr/>
-        <p:txBody>
-          <a:bodyPr/>
-          <a:lstStyle/>
-          <a:p>
-            <a:r>
-              <a:rPr lang="en-US" dirty="0">
-                <a:solidFill>
-                  <a:schemeClr val="tx1"/>
-                </a:solidFill>
-              </a:rPr>
-              <a:t>ADVANTAGES &amp; DISADVANTAGES</a:t>
-            </a:r>
-          </a:p>
-        </p:txBody>
-      </p:sp>
-      <p:sp>
-        <p:nvSpPr>
-          <p:cNvPr id="9" name="Text Placeholder 8"/>
-          <p:cNvSpPr>
-            <a:spLocks noGrp="1"/>
-          </p:cNvSpPr>
-          <p:nvPr>
-            <p:ph type="body" idx="1"/>
-          </p:nvPr>
-        </p:nvSpPr>
-        <p:spPr/>
-        <p:txBody>
-          <a:bodyPr/>
-          <a:lstStyle/>
-          <a:p>
-            <a:r>
-              <a:rPr lang="en-US" dirty="0"/>
-              <a:t>Advantages</a:t>
-            </a:r>
-          </a:p>
-        </p:txBody>
-      </p:sp>
-      <p:sp>
-        <p:nvSpPr>
-          <p:cNvPr id="10" name="Content Placeholder 9"/>
-          <p:cNvSpPr>
-            <a:spLocks noGrp="1"/>
-          </p:cNvSpPr>
-          <p:nvPr>
-            <p:ph sz="half" idx="2"/>
-          </p:nvPr>
-        </p:nvSpPr>
-        <p:spPr/>
-        <p:txBody>
-          <a:bodyPr>
-            <a:normAutofit/>
-          </a:bodyPr>
-          <a:lstStyle/>
-          <a:p>
-            <a:pPr marL="0" indent="0">
-              <a:buNone/>
-            </a:pPr>
-            <a:r>
-              <a:rPr lang="en-US" dirty="0" smtClean="0">
-                <a:solidFill>
-                  <a:srgbClr val="00B050"/>
-                </a:solidFill>
-              </a:rPr>
-              <a:t>+</a:t>
-            </a:r>
-            <a:r>
-              <a:rPr lang="en-US" dirty="0" smtClean="0"/>
-              <a:t> Easy to interpret</a:t>
-            </a:r>
-            <a:endParaRPr lang="en-US" dirty="0"/>
-          </a:p>
-          <a:p>
-            <a:pPr marL="0" indent="0">
-              <a:buNone/>
-            </a:pPr>
-            <a:r>
-              <a:rPr lang="en-US" dirty="0" smtClean="0">
-                <a:solidFill>
-                  <a:srgbClr val="00B050"/>
-                </a:solidFill>
-              </a:rPr>
-              <a:t>+ </a:t>
-            </a:r>
-            <a:r>
-              <a:rPr lang="en-US" dirty="0" smtClean="0"/>
-              <a:t>It </a:t>
-            </a:r>
-            <a:r>
-              <a:rPr lang="en-US" dirty="0"/>
-              <a:t>does not assume a linear relationship between the IV and </a:t>
-            </a:r>
-            <a:r>
-              <a:rPr lang="en-US" dirty="0" smtClean="0"/>
-              <a:t>DV</a:t>
-            </a:r>
-          </a:p>
-          <a:p>
-            <a:pPr>
-              <a:buFont typeface="Wingdings" panose="05000000000000000000" pitchFamily="2" charset="2"/>
-              <a:buChar char="§"/>
-            </a:pPr>
-            <a:endParaRPr lang="en-US" dirty="0"/>
-          </a:p>
-        </p:txBody>
-      </p:sp>
-      <p:sp>
-        <p:nvSpPr>
-          <p:cNvPr id="11" name="Text Placeholder 10"/>
-          <p:cNvSpPr>
-            <a:spLocks noGrp="1"/>
-          </p:cNvSpPr>
-          <p:nvPr>
-            <p:ph type="body" sz="quarter" idx="3"/>
-          </p:nvPr>
-        </p:nvSpPr>
-        <p:spPr/>
-        <p:txBody>
-          <a:bodyPr/>
-          <a:lstStyle/>
-          <a:p>
-            <a:r>
-              <a:rPr lang="en-US" dirty="0"/>
-              <a:t>Disadvantages</a:t>
-            </a:r>
-          </a:p>
-        </p:txBody>
-      </p:sp>
-      <p:sp>
-        <p:nvSpPr>
-          <p:cNvPr id="12" name="Content Placeholder 11"/>
-          <p:cNvSpPr>
-            <a:spLocks noGrp="1"/>
-          </p:cNvSpPr>
-          <p:nvPr>
-            <p:ph sz="quarter" idx="4"/>
-          </p:nvPr>
-        </p:nvSpPr>
-        <p:spPr/>
-        <p:txBody>
-          <a:bodyPr>
-            <a:noAutofit/>
-          </a:bodyPr>
-          <a:lstStyle/>
-          <a:p>
-            <a:pPr marL="0" indent="0">
-              <a:buNone/>
-            </a:pPr>
-            <a:r>
-              <a:rPr lang="en-US" dirty="0" smtClean="0">
-                <a:solidFill>
-                  <a:srgbClr val="FF0000"/>
-                </a:solidFill>
-              </a:rPr>
-              <a:t>- </a:t>
-            </a:r>
-            <a:r>
-              <a:rPr lang="en-US" dirty="0" smtClean="0"/>
-              <a:t>Logistic </a:t>
-            </a:r>
-            <a:r>
-              <a:rPr lang="en-US" dirty="0"/>
-              <a:t>regression tends to underperform when there are multiple or non-linear decision boundaries.</a:t>
-            </a:r>
-          </a:p>
-          <a:p>
-            <a:pPr marL="0" indent="0">
-              <a:buNone/>
-            </a:pPr>
-            <a:r>
-              <a:rPr lang="en-US" dirty="0" smtClean="0">
-                <a:solidFill>
-                  <a:srgbClr val="FF0000"/>
-                </a:solidFill>
-              </a:rPr>
-              <a:t>-</a:t>
-            </a:r>
-            <a:r>
-              <a:rPr lang="en-US" dirty="0" smtClean="0"/>
-              <a:t> They </a:t>
-            </a:r>
-            <a:r>
-              <a:rPr lang="en-US" dirty="0"/>
-              <a:t>are not flexible enough to naturally capture more complex relationships.</a:t>
-            </a:r>
-          </a:p>
-          <a:p>
-            <a:pPr marL="0" indent="0">
-              <a:buNone/>
-            </a:pPr>
-            <a:r>
-              <a:rPr lang="en-US" dirty="0" smtClean="0">
-                <a:solidFill>
-                  <a:srgbClr val="FF0000"/>
-                </a:solidFill>
-              </a:rPr>
-              <a:t>- </a:t>
-            </a:r>
-            <a:r>
-              <a:rPr lang="en-US" dirty="0" smtClean="0"/>
-              <a:t>Logistic </a:t>
-            </a:r>
-            <a:r>
-              <a:rPr lang="en-US" dirty="0"/>
-              <a:t>regression in effect has no more assumptions than many other methods, and one can be misled by choosing an improper accuracy scoring rule.</a:t>
-            </a:r>
-          </a:p>
-        </p:txBody>
-      </p:sp>
-    </p:spTree>
-    <p:extLst>
-      <p:ext uri="{BB962C8B-B14F-4D97-AF65-F5344CB8AC3E}">
-        <p14:creationId xmlns:p14="http://schemas.microsoft.com/office/powerpoint/2010/main" val="300998435"/>
-      </p:ext>
-    </p:extLst>
-  </p:cSld>
-  <p:clrMapOvr>
-    <a:masterClrMapping/>
-  </p:clrMapOvr>
-</p:sld>
-</file>
-
-<file path=ppt/slides/slide8.xml><?xml version="1.0" encoding="utf-8"?>
-<p:sld xmlns:a="http://schemas.openxmlformats.org/drawingml/2006/main" xmlns:r="http://schemas.openxmlformats.org/officeDocument/2006/relationships" xmlns:p="http://schemas.openxmlformats.org/presentationml/2006/main">
-  <p:cSld>
-    <p:spTree>
-      <p:nvGrpSpPr>
-        <p:cNvPr id="1" name=""/>
-        <p:cNvGrpSpPr/>
-        <p:nvPr/>
-      </p:nvGrpSpPr>
-      <p:grpSpPr>
-        <a:xfrm>
-          <a:off x="0" y="0"/>
-          <a:ext cx="0" cy="0"/>
-          <a:chOff x="0" y="0"/>
-          <a:chExt cx="0" cy="0"/>
-        </a:xfrm>
-      </p:grpSpPr>
-      <p:sp>
-        <p:nvSpPr>
           <p:cNvPr id="7" name="Title 6"/>
           <p:cNvSpPr>
             <a:spLocks noGrp="1"/>
@@ -11572,7 +11119,7 @@
 </p:sld>
 </file>
 
-<file path=ppt/slides/slide9.xml><?xml version="1.0" encoding="utf-8"?>
+<file path=ppt/slides/slide8.xml><?xml version="1.0" encoding="utf-8"?>
 <p:sld xmlns:a="http://schemas.openxmlformats.org/drawingml/2006/main" xmlns:r="http://schemas.openxmlformats.org/officeDocument/2006/relationships" xmlns:p="http://schemas.openxmlformats.org/presentationml/2006/main">
   <p:cSld>
     <p:spTree>
@@ -11689,6 +11236,344 @@
     <p:extLst>
       <p:ext uri="{BB962C8B-B14F-4D97-AF65-F5344CB8AC3E}">
         <p14:creationId xmlns:p14="http://schemas.microsoft.com/office/powerpoint/2010/main" val="2666783041"/>
+      </p:ext>
+    </p:extLst>
+  </p:cSld>
+  <p:clrMapOvr>
+    <a:masterClrMapping/>
+  </p:clrMapOvr>
+</p:sld>
+</file>
+
+<file path=ppt/slides/slide9.xml><?xml version="1.0" encoding="utf-8"?>
+<p:sld xmlns:a="http://schemas.openxmlformats.org/drawingml/2006/main" xmlns:r="http://schemas.openxmlformats.org/officeDocument/2006/relationships" xmlns:p="http://schemas.openxmlformats.org/presentationml/2006/main">
+  <p:cSld>
+    <p:spTree>
+      <p:nvGrpSpPr>
+        <p:cNvPr id="1" name=""/>
+        <p:cNvGrpSpPr/>
+        <p:nvPr/>
+      </p:nvGrpSpPr>
+      <p:grpSpPr>
+        <a:xfrm>
+          <a:off x="0" y="0"/>
+          <a:ext cx="0" cy="0"/>
+          <a:chOff x="0" y="0"/>
+          <a:chExt cx="0" cy="0"/>
+        </a:xfrm>
+      </p:grpSpPr>
+      <p:sp>
+        <p:nvSpPr>
+          <p:cNvPr id="2" name="Title 1"/>
+          <p:cNvSpPr>
+            <a:spLocks noGrp="1"/>
+          </p:cNvSpPr>
+          <p:nvPr>
+            <p:ph type="title"/>
+          </p:nvPr>
+        </p:nvSpPr>
+        <p:spPr/>
+        <p:txBody>
+          <a:bodyPr>
+            <a:normAutofit/>
+          </a:bodyPr>
+          <a:lstStyle/>
+          <a:p>
+            <a:r>
+              <a:rPr lang="en-US" dirty="0" smtClean="0"/>
+              <a:t>Advantages and Disadvantages</a:t>
+            </a:r>
+            <a:endParaRPr lang="en-US" dirty="0"/>
+          </a:p>
+        </p:txBody>
+      </p:sp>
+      <p:sp>
+        <p:nvSpPr>
+          <p:cNvPr id="4" name="Text Placeholder 3"/>
+          <p:cNvSpPr>
+            <a:spLocks noGrp="1"/>
+          </p:cNvSpPr>
+          <p:nvPr>
+            <p:ph type="body" idx="1"/>
+          </p:nvPr>
+        </p:nvSpPr>
+        <p:spPr/>
+        <p:txBody>
+          <a:bodyPr/>
+          <a:lstStyle/>
+          <a:p>
+            <a:r>
+              <a:rPr lang="en-US" sz="2400" dirty="0" smtClean="0"/>
+              <a:t>Advantages</a:t>
+            </a:r>
+            <a:endParaRPr lang="en-US" dirty="0"/>
+          </a:p>
+        </p:txBody>
+      </p:sp>
+      <p:sp>
+        <p:nvSpPr>
+          <p:cNvPr id="3" name="Content Placeholder 2"/>
+          <p:cNvSpPr>
+            <a:spLocks noGrp="1"/>
+          </p:cNvSpPr>
+          <p:nvPr>
+            <p:ph sz="half" idx="2"/>
+          </p:nvPr>
+        </p:nvSpPr>
+        <p:spPr/>
+        <p:txBody>
+          <a:bodyPr>
+            <a:normAutofit/>
+          </a:bodyPr>
+          <a:lstStyle/>
+          <a:p>
+            <a:pPr marL="128016" lvl="1" indent="0">
+              <a:buNone/>
+            </a:pPr>
+            <a:r>
+              <a:rPr lang="en-US" dirty="0">
+                <a:solidFill>
+                  <a:srgbClr val="00B050"/>
+                </a:solidFill>
+              </a:rPr>
+              <a:t>+ </a:t>
+            </a:r>
+            <a:r>
+              <a:rPr lang="en-US" dirty="0" smtClean="0"/>
+              <a:t>SVM works well when the relationship b/w features is unknown.</a:t>
+            </a:r>
+            <a:endParaRPr lang="en-US" dirty="0"/>
+          </a:p>
+          <a:p>
+            <a:pPr marL="128016" lvl="1" indent="0">
+              <a:buNone/>
+            </a:pPr>
+            <a:r>
+              <a:rPr lang="en-US" dirty="0">
+                <a:solidFill>
+                  <a:srgbClr val="00B050"/>
+                </a:solidFill>
+              </a:rPr>
+              <a:t>+</a:t>
+            </a:r>
+            <a:r>
+              <a:rPr lang="en-US" dirty="0" smtClean="0"/>
+              <a:t> Works </a:t>
+            </a:r>
+            <a:r>
+              <a:rPr lang="en-US" dirty="0"/>
+              <a:t>well with even unstructured and semi structured data like text, Images and </a:t>
+            </a:r>
+            <a:r>
+              <a:rPr lang="en-US" dirty="0" smtClean="0"/>
+              <a:t>trees.</a:t>
+            </a:r>
+          </a:p>
+          <a:p>
+            <a:pPr marL="128016" lvl="1" indent="0">
+              <a:buNone/>
+            </a:pPr>
+            <a:r>
+              <a:rPr lang="en-US" dirty="0">
+                <a:solidFill>
+                  <a:srgbClr val="00B050"/>
+                </a:solidFill>
+              </a:rPr>
+              <a:t>+</a:t>
+            </a:r>
+            <a:r>
+              <a:rPr lang="en-US" dirty="0" smtClean="0">
+                <a:solidFill>
+                  <a:srgbClr val="92D050"/>
+                </a:solidFill>
+              </a:rPr>
+              <a:t> </a:t>
+            </a:r>
+            <a:r>
+              <a:rPr lang="en-US" dirty="0" smtClean="0"/>
+              <a:t>The kernel function is real strength of SVM. We can solve any complex problem.</a:t>
+            </a:r>
+          </a:p>
+          <a:p>
+            <a:pPr marL="128016" lvl="1" indent="0">
+              <a:buNone/>
+            </a:pPr>
+            <a:r>
+              <a:rPr lang="en-US" dirty="0">
+                <a:solidFill>
+                  <a:srgbClr val="00B050"/>
+                </a:solidFill>
+              </a:rPr>
+              <a:t>+</a:t>
+            </a:r>
+            <a:r>
+              <a:rPr lang="en-US" dirty="0" smtClean="0"/>
+              <a:t> It scales relatively well to high dimensional   data.</a:t>
+            </a:r>
+            <a:endParaRPr lang="en-US" dirty="0"/>
+          </a:p>
+          <a:p>
+            <a:pPr marL="128016" lvl="1" indent="0">
+              <a:buNone/>
+            </a:pPr>
+            <a:r>
+              <a:rPr lang="en-US" dirty="0">
+                <a:solidFill>
+                  <a:srgbClr val="00B050"/>
+                </a:solidFill>
+              </a:rPr>
+              <a:t>+</a:t>
+            </a:r>
+            <a:r>
+              <a:rPr lang="en-US" dirty="0" smtClean="0"/>
+              <a:t> The </a:t>
+            </a:r>
+            <a:r>
+              <a:rPr lang="en-US" dirty="0"/>
+              <a:t>risk of overfitting is less in SVM.</a:t>
+            </a:r>
+          </a:p>
+          <a:p>
+            <a:endParaRPr lang="en-US" dirty="0"/>
+          </a:p>
+        </p:txBody>
+      </p:sp>
+      <p:sp>
+        <p:nvSpPr>
+          <p:cNvPr id="5" name="Text Placeholder 4"/>
+          <p:cNvSpPr>
+            <a:spLocks noGrp="1"/>
+          </p:cNvSpPr>
+          <p:nvPr>
+            <p:ph type="body" sz="quarter" idx="3"/>
+          </p:nvPr>
+        </p:nvSpPr>
+        <p:spPr/>
+        <p:txBody>
+          <a:bodyPr/>
+          <a:lstStyle/>
+          <a:p>
+            <a:endParaRPr lang="en-US" sz="2400" dirty="0" smtClean="0"/>
+          </a:p>
+          <a:p>
+            <a:r>
+              <a:rPr lang="en-US" sz="2400" dirty="0" smtClean="0"/>
+              <a:t>Disadvantages</a:t>
+            </a:r>
+            <a:endParaRPr lang="en-US" sz="2400" dirty="0"/>
+          </a:p>
+          <a:p>
+            <a:endParaRPr lang="en-US" dirty="0"/>
+          </a:p>
+        </p:txBody>
+      </p:sp>
+      <p:sp>
+        <p:nvSpPr>
+          <p:cNvPr id="6" name="Content Placeholder 5"/>
+          <p:cNvSpPr>
+            <a:spLocks noGrp="1"/>
+          </p:cNvSpPr>
+          <p:nvPr>
+            <p:ph sz="quarter" idx="4"/>
+          </p:nvPr>
+        </p:nvSpPr>
+        <p:spPr/>
+        <p:txBody>
+          <a:bodyPr/>
+          <a:lstStyle/>
+          <a:p>
+            <a:pPr marL="128016" lvl="1" indent="0">
+              <a:buNone/>
+            </a:pPr>
+            <a:r>
+              <a:rPr lang="en-US" dirty="0" smtClean="0">
+                <a:solidFill>
+                  <a:srgbClr val="FF0000"/>
+                </a:solidFill>
+              </a:rPr>
+              <a:t>- </a:t>
+            </a:r>
+            <a:r>
+              <a:rPr lang="en-US" dirty="0" smtClean="0"/>
+              <a:t>Choosing </a:t>
+            </a:r>
+            <a:r>
+              <a:rPr lang="en-US" dirty="0"/>
+              <a:t>a “good” kernel function is not easy.</a:t>
+            </a:r>
+          </a:p>
+          <a:p>
+            <a:pPr marL="128016" lvl="1" indent="0">
+              <a:buNone/>
+            </a:pPr>
+            <a:r>
+              <a:rPr lang="en-US" dirty="0" smtClean="0">
+                <a:solidFill>
+                  <a:srgbClr val="FF0000"/>
+                </a:solidFill>
+              </a:rPr>
+              <a:t>- </a:t>
+            </a:r>
+            <a:r>
+              <a:rPr lang="en-US" dirty="0" smtClean="0"/>
+              <a:t>Long </a:t>
+            </a:r>
+            <a:r>
+              <a:rPr lang="en-US" dirty="0"/>
+              <a:t>training time for large datasets.</a:t>
+            </a:r>
+          </a:p>
+          <a:p>
+            <a:pPr marL="128016" lvl="1" indent="0">
+              <a:buNone/>
+            </a:pPr>
+            <a:r>
+              <a:rPr lang="en-US" dirty="0" smtClean="0">
+                <a:solidFill>
+                  <a:srgbClr val="FF0000"/>
+                </a:solidFill>
+              </a:rPr>
+              <a:t>- </a:t>
+            </a:r>
+            <a:r>
+              <a:rPr lang="en-US" dirty="0" smtClean="0"/>
+              <a:t>Difficult </a:t>
+            </a:r>
+            <a:r>
+              <a:rPr lang="en-US" dirty="0"/>
+              <a:t>to understand and interpret the final model, variable weights and individual impact.</a:t>
+            </a:r>
+          </a:p>
+          <a:p>
+            <a:pPr marL="128016" lvl="1" indent="0">
+              <a:buNone/>
+            </a:pPr>
+            <a:r>
+              <a:rPr lang="en-US" dirty="0" smtClean="0">
+                <a:solidFill>
+                  <a:srgbClr val="FF0000"/>
+                </a:solidFill>
+              </a:rPr>
+              <a:t>-</a:t>
+            </a:r>
+            <a:r>
+              <a:rPr lang="en-US" dirty="0" smtClean="0"/>
+              <a:t> Since </a:t>
+            </a:r>
+            <a:r>
+              <a:rPr lang="en-US" dirty="0"/>
+              <a:t>the final model is not so easy to see, we can not do small calibrations to the model hence its tough to incorporate our business logic.</a:t>
+            </a:r>
+          </a:p>
+          <a:p>
+            <a:endParaRPr lang="en-US" dirty="0"/>
+          </a:p>
+        </p:txBody>
+      </p:sp>
+    </p:spTree>
+    <p:extLst>
+      <p:ext uri="{BB962C8B-B14F-4D97-AF65-F5344CB8AC3E}">
+        <p14:creationId xmlns:p14="http://schemas.microsoft.com/office/powerpoint/2010/main" val="3240386618"/>
       </p:ext>
     </p:extLst>
   </p:cSld>
